--- a/Proyecto de Aula 2025.pptx
+++ b/Proyecto de Aula 2025.pptx
@@ -5,33 +5,34 @@
     <p:sldMasterId id="2147483648" r:id="rId1"/>
   </p:sldMasterIdLst>
   <p:notesMasterIdLst>
-    <p:notesMasterId r:id="rId9"/>
+    <p:notesMasterId r:id="rId10"/>
   </p:notesMasterIdLst>
   <p:sldIdLst>
     <p:sldId id="256" r:id="rId2"/>
     <p:sldId id="258" r:id="rId3"/>
-    <p:sldId id="266" r:id="rId4"/>
-    <p:sldId id="267" r:id="rId5"/>
-    <p:sldId id="268" r:id="rId6"/>
-    <p:sldId id="269" r:id="rId7"/>
-    <p:sldId id="265" r:id="rId8"/>
+    <p:sldId id="271" r:id="rId4"/>
+    <p:sldId id="266" r:id="rId5"/>
+    <p:sldId id="267" r:id="rId6"/>
+    <p:sldId id="270" r:id="rId7"/>
+    <p:sldId id="269" r:id="rId8"/>
+    <p:sldId id="265" r:id="rId9"/>
   </p:sldIdLst>
   <p:sldSz cx="12192000" cy="6858000"/>
   <p:notesSz cx="6858000" cy="9144000"/>
   <p:embeddedFontLst>
     <p:embeddedFont>
       <p:font typeface="Helvetica Neue" panose="020B0604020202020204" charset="0"/>
-      <p:regular r:id="rId10"/>
-      <p:bold r:id="rId11"/>
-      <p:italic r:id="rId12"/>
-      <p:boldItalic r:id="rId13"/>
+      <p:regular r:id="rId11"/>
+      <p:bold r:id="rId12"/>
+      <p:italic r:id="rId13"/>
+      <p:boldItalic r:id="rId14"/>
     </p:embeddedFont>
     <p:embeddedFont>
       <p:font typeface="Trebuchet MS" panose="020B0603020202020204" pitchFamily="34" charset="0"/>
-      <p:regular r:id="rId14"/>
-      <p:bold r:id="rId15"/>
-      <p:italic r:id="rId16"/>
-      <p:boldItalic r:id="rId17"/>
+      <p:regular r:id="rId15"/>
+      <p:bold r:id="rId16"/>
+      <p:italic r:id="rId17"/>
+      <p:boldItalic r:id="rId18"/>
     </p:embeddedFont>
   </p:embeddedFontLst>
   <p:defaultTextStyle>
@@ -1540,6 +1541,151 @@
   <p:cSld>
     <p:spTree>
       <p:nvGrpSpPr>
+        <p:cNvPr id="1" name="Shape 91">
+          <a:extLst>
+            <a:ext uri="{FF2B5EF4-FFF2-40B4-BE49-F238E27FC236}">
+              <a16:creationId xmlns:a16="http://schemas.microsoft.com/office/drawing/2014/main" id="{D99B61A7-5B5C-2509-5DA4-5DBAC0E1E01D}"/>
+            </a:ext>
+          </a:extLst>
+        </p:cNvPr>
+        <p:cNvGrpSpPr/>
+        <p:nvPr/>
+      </p:nvGrpSpPr>
+      <p:grpSpPr>
+        <a:xfrm>
+          <a:off x="0" y="0"/>
+          <a:ext cx="0" cy="0"/>
+          <a:chOff x="0" y="0"/>
+          <a:chExt cx="0" cy="0"/>
+        </a:xfrm>
+      </p:grpSpPr>
+      <p:sp>
+        <p:nvSpPr>
+          <p:cNvPr id="92" name="Google Shape;92;p2:notes">
+            <a:extLst>
+              <a:ext uri="{FF2B5EF4-FFF2-40B4-BE49-F238E27FC236}">
+                <a16:creationId xmlns:a16="http://schemas.microsoft.com/office/drawing/2014/main" id="{844D8F08-8A14-3A4F-85A7-1063F1701B43}"/>
+              </a:ext>
+            </a:extLst>
+          </p:cNvPr>
+          <p:cNvSpPr txBox="1">
+            <a:spLocks noGrp="1"/>
+          </p:cNvSpPr>
+          <p:nvPr>
+            <p:ph type="body" idx="1"/>
+          </p:nvPr>
+        </p:nvSpPr>
+        <p:spPr>
+          <a:xfrm>
+            <a:off x="685800" y="4343400"/>
+            <a:ext cx="5486400" cy="4114800"/>
+          </a:xfrm>
+          <a:prstGeom prst="rect">
+            <a:avLst/>
+          </a:prstGeom>
+          <a:noFill/>
+          <a:ln>
+            <a:noFill/>
+          </a:ln>
+        </p:spPr>
+        <p:txBody>
+          <a:bodyPr spcFirstLastPara="1" wrap="square" lIns="91425" tIns="91425" rIns="91425" bIns="91425" anchor="t" anchorCtr="0">
+            <a:noAutofit/>
+          </a:bodyPr>
+          <a:lstStyle/>
+          <a:p>
+            <a:pPr marL="0" lvl="0" indent="0" algn="l" rtl="0">
+              <a:lnSpc>
+                <a:spcPct val="100000"/>
+              </a:lnSpc>
+              <a:spcBef>
+                <a:spcPts val="0"/>
+              </a:spcBef>
+              <a:spcAft>
+                <a:spcPts val="0"/>
+              </a:spcAft>
+              <a:buSzPts val="1100"/>
+              <a:buNone/>
+            </a:pPr>
+            <a:endParaRPr/>
+          </a:p>
+        </p:txBody>
+      </p:sp>
+      <p:sp>
+        <p:nvSpPr>
+          <p:cNvPr id="93" name="Google Shape;93;p2:notes">
+            <a:extLst>
+              <a:ext uri="{FF2B5EF4-FFF2-40B4-BE49-F238E27FC236}">
+                <a16:creationId xmlns:a16="http://schemas.microsoft.com/office/drawing/2014/main" id="{4EF37997-2BF3-F84D-8EEF-22CE1EB9D1A4}"/>
+              </a:ext>
+            </a:extLst>
+          </p:cNvPr>
+          <p:cNvSpPr>
+            <a:spLocks noGrp="1" noRot="1" noChangeAspect="1"/>
+          </p:cNvSpPr>
+          <p:nvPr>
+            <p:ph type="sldImg" idx="2"/>
+          </p:nvPr>
+        </p:nvSpPr>
+        <p:spPr>
+          <a:xfrm>
+            <a:off x="381000" y="685800"/>
+            <a:ext cx="6096000" cy="3429000"/>
+          </a:xfrm>
+          <a:custGeom>
+            <a:avLst/>
+            <a:gdLst/>
+            <a:ahLst/>
+            <a:cxnLst/>
+            <a:rect l="l" t="t" r="r" b="b"/>
+            <a:pathLst>
+              <a:path w="120000" h="120000" extrusionOk="0">
+                <a:moveTo>
+                  <a:pt x="0" y="0"/>
+                </a:moveTo>
+                <a:lnTo>
+                  <a:pt x="120000" y="0"/>
+                </a:lnTo>
+                <a:lnTo>
+                  <a:pt x="120000" y="120000"/>
+                </a:lnTo>
+                <a:lnTo>
+                  <a:pt x="0" y="120000"/>
+                </a:lnTo>
+                <a:close/>
+              </a:path>
+            </a:pathLst>
+          </a:custGeom>
+          <a:noFill/>
+          <a:ln w="9525" cap="flat" cmpd="sng">
+            <a:solidFill>
+              <a:srgbClr val="000000"/>
+            </a:solidFill>
+            <a:prstDash val="solid"/>
+            <a:round/>
+            <a:headEnd type="none" w="sm" len="sm"/>
+            <a:tailEnd type="none" w="sm" len="sm"/>
+          </a:ln>
+        </p:spPr>
+      </p:sp>
+    </p:spTree>
+    <p:extLst>
+      <p:ext uri="{BB962C8B-B14F-4D97-AF65-F5344CB8AC3E}">
+        <p14:creationId xmlns:p14="http://schemas.microsoft.com/office/powerpoint/2010/main" val="394833285"/>
+      </p:ext>
+    </p:extLst>
+  </p:cSld>
+  <p:clrMapOvr>
+    <a:masterClrMapping/>
+  </p:clrMapOvr>
+</p:notes>
+</file>
+
+<file path=ppt/notesSlides/notesSlide4.xml><?xml version="1.0" encoding="utf-8"?>
+<p:notes xmlns:a="http://schemas.openxmlformats.org/drawingml/2006/main" xmlns:r="http://schemas.openxmlformats.org/officeDocument/2006/relationships" xmlns:p="http://schemas.openxmlformats.org/presentationml/2006/main" showMasterSp="0" showMasterPhAnim="0">
+  <p:cSld>
+    <p:spTree>
+      <p:nvGrpSpPr>
         <p:cNvPr id="1" name="Shape 91"/>
         <p:cNvGrpSpPr/>
         <p:nvPr/>
@@ -1662,7 +1808,7 @@
 </p:notes>
 </file>
 
-<file path=ppt/notesSlides/notesSlide4.xml><?xml version="1.0" encoding="utf-8"?>
+<file path=ppt/notesSlides/notesSlide5.xml><?xml version="1.0" encoding="utf-8"?>
 <p:notes xmlns:a="http://schemas.openxmlformats.org/drawingml/2006/main" xmlns:r="http://schemas.openxmlformats.org/officeDocument/2006/relationships" xmlns:p="http://schemas.openxmlformats.org/presentationml/2006/main" showMasterSp="0" showMasterPhAnim="0">
   <p:cSld>
     <p:spTree>
@@ -1789,12 +1935,18 @@
 </p:notes>
 </file>
 
-<file path=ppt/notesSlides/notesSlide5.xml><?xml version="1.0" encoding="utf-8"?>
+<file path=ppt/notesSlides/notesSlide6.xml><?xml version="1.0" encoding="utf-8"?>
 <p:notes xmlns:a="http://schemas.openxmlformats.org/drawingml/2006/main" xmlns:r="http://schemas.openxmlformats.org/officeDocument/2006/relationships" xmlns:p="http://schemas.openxmlformats.org/presentationml/2006/main" showMasterSp="0" showMasterPhAnim="0">
   <p:cSld>
     <p:spTree>
       <p:nvGrpSpPr>
-        <p:cNvPr id="1" name="Shape 91"/>
+        <p:cNvPr id="1" name="Shape 91">
+          <a:extLst>
+            <a:ext uri="{FF2B5EF4-FFF2-40B4-BE49-F238E27FC236}">
+              <a16:creationId xmlns:a16="http://schemas.microsoft.com/office/drawing/2014/main" id="{17190977-7A75-26EB-815E-78A3B1E867C3}"/>
+            </a:ext>
+          </a:extLst>
+        </p:cNvPr>
         <p:cNvGrpSpPr/>
         <p:nvPr/>
       </p:nvGrpSpPr>
@@ -1808,7 +1960,13 @@
       </p:grpSpPr>
       <p:sp>
         <p:nvSpPr>
-          <p:cNvPr id="92" name="Google Shape;92;p2:notes"/>
+          <p:cNvPr id="92" name="Google Shape;92;p2:notes">
+            <a:extLst>
+              <a:ext uri="{FF2B5EF4-FFF2-40B4-BE49-F238E27FC236}">
+                <a16:creationId xmlns:a16="http://schemas.microsoft.com/office/drawing/2014/main" id="{DEAB202A-C701-CB0F-0DCA-7375F8129618}"/>
+              </a:ext>
+            </a:extLst>
+          </p:cNvPr>
           <p:cNvSpPr txBox="1">
             <a:spLocks noGrp="1"/>
           </p:cNvSpPr>
@@ -1854,7 +2012,13 @@
       </p:sp>
       <p:sp>
         <p:nvSpPr>
-          <p:cNvPr id="93" name="Google Shape;93;p2:notes"/>
+          <p:cNvPr id="93" name="Google Shape;93;p2:notes">
+            <a:extLst>
+              <a:ext uri="{FF2B5EF4-FFF2-40B4-BE49-F238E27FC236}">
+                <a16:creationId xmlns:a16="http://schemas.microsoft.com/office/drawing/2014/main" id="{F132E96D-4E78-384D-3102-697D73E697DE}"/>
+              </a:ext>
+            </a:extLst>
+          </p:cNvPr>
           <p:cNvSpPr>
             <a:spLocks noGrp="1" noRot="1" noChangeAspect="1"/>
           </p:cNvSpPr>
@@ -1906,7 +2070,7 @@
     </p:spTree>
     <p:extLst>
       <p:ext uri="{BB962C8B-B14F-4D97-AF65-F5344CB8AC3E}">
-        <p14:creationId xmlns:p14="http://schemas.microsoft.com/office/powerpoint/2010/main" val="2139886091"/>
+        <p14:creationId xmlns:p14="http://schemas.microsoft.com/office/powerpoint/2010/main" val="50249219"/>
       </p:ext>
     </p:extLst>
   </p:cSld>
@@ -1916,7 +2080,7 @@
 </p:notes>
 </file>
 
-<file path=ppt/notesSlides/notesSlide6.xml><?xml version="1.0" encoding="utf-8"?>
+<file path=ppt/notesSlides/notesSlide7.xml><?xml version="1.0" encoding="utf-8"?>
 <p:notes xmlns:a="http://schemas.openxmlformats.org/drawingml/2006/main" xmlns:r="http://schemas.openxmlformats.org/officeDocument/2006/relationships" xmlns:p="http://schemas.openxmlformats.org/presentationml/2006/main" showMasterSp="0" showMasterPhAnim="0">
   <p:cSld>
     <p:spTree>
@@ -2043,7 +2207,7 @@
 </p:notes>
 </file>
 
-<file path=ppt/notesSlides/notesSlide7.xml><?xml version="1.0" encoding="utf-8"?>
+<file path=ppt/notesSlides/notesSlide8.xml><?xml version="1.0" encoding="utf-8"?>
 <p:notes xmlns:a="http://schemas.openxmlformats.org/drawingml/2006/main" xmlns:r="http://schemas.openxmlformats.org/officeDocument/2006/relationships" xmlns:p="http://schemas.openxmlformats.org/presentationml/2006/main" showMasterSp="0" showMasterPhAnim="0">
   <p:cSld>
     <p:spTree>
@@ -15842,6 +16006,78 @@
               <a:t>Santiago Sarria</a:t>
             </a:r>
           </a:p>
+          <a:p>
+            <a:pPr>
+              <a:buClr>
+                <a:schemeClr val="lt1"/>
+              </a:buClr>
+              <a:buSzPct val="100000"/>
+              <a:buFont typeface="Helvetica Neue"/>
+            </a:pPr>
+            <a:r>
+              <a:rPr lang="es-CO" sz="2000" b="1" dirty="0">
+                <a:solidFill>
+                  <a:schemeClr val="lt1"/>
+                </a:solidFill>
+                <a:latin typeface="Helvetica Neue"/>
+              </a:rPr>
+              <a:t> </a:t>
+            </a:r>
+            <a:r>
+              <a:rPr lang="es-CO" sz="2000" b="1" dirty="0" err="1">
+                <a:solidFill>
+                  <a:schemeClr val="lt1"/>
+                </a:solidFill>
+                <a:latin typeface="Helvetica Neue"/>
+              </a:rPr>
+              <a:t>Joinner</a:t>
+            </a:r>
+            <a:r>
+              <a:rPr lang="es-CO" sz="2000" b="1" dirty="0">
+                <a:solidFill>
+                  <a:schemeClr val="lt1"/>
+                </a:solidFill>
+                <a:latin typeface="Helvetica Neue"/>
+              </a:rPr>
+              <a:t> Pedroza</a:t>
+            </a:r>
+          </a:p>
+          <a:p>
+            <a:pPr>
+              <a:buClr>
+                <a:schemeClr val="lt1"/>
+              </a:buClr>
+              <a:buSzPct val="100000"/>
+              <a:buFont typeface="Helvetica Neue"/>
+            </a:pPr>
+            <a:r>
+              <a:rPr lang="es-CO" sz="2000" b="1" dirty="0">
+                <a:solidFill>
+                  <a:schemeClr val="lt1"/>
+                </a:solidFill>
+                <a:latin typeface="Helvetica Neue"/>
+              </a:rPr>
+              <a:t> </a:t>
+            </a:r>
+            <a:r>
+              <a:rPr lang="es-CO" sz="2000" b="1" dirty="0" err="1">
+                <a:solidFill>
+                  <a:schemeClr val="lt1"/>
+                </a:solidFill>
+                <a:latin typeface="Helvetica Neue"/>
+              </a:rPr>
+              <a:t>Freydell</a:t>
+            </a:r>
+            <a:r>
+              <a:rPr lang="es-CO" sz="2000" b="1" dirty="0">
+                <a:solidFill>
+                  <a:schemeClr val="lt1"/>
+                </a:solidFill>
+                <a:latin typeface="Helvetica Neue"/>
+              </a:rPr>
+              <a:t> Medina</a:t>
+            </a:r>
+          </a:p>
         </p:txBody>
       </p:sp>
     </p:spTree>
@@ -15938,7 +16174,7 @@
                 <a:cs typeface="Helvetica Neue"/>
                 <a:sym typeface="Helvetica Neue"/>
               </a:rPr>
-              <a:t>Descripción del Problema</a:t>
+              <a:t>Pregunta problema</a:t>
             </a:r>
             <a:endParaRPr dirty="0"/>
           </a:p>
@@ -15946,10 +16182,10 @@
       </p:sp>
       <p:sp>
         <p:nvSpPr>
-          <p:cNvPr id="2" name="CuadroTexto 1">
+          <p:cNvPr id="3" name="CuadroTexto 2">
             <a:extLst>
               <a:ext uri="{FF2B5EF4-FFF2-40B4-BE49-F238E27FC236}">
-                <a16:creationId xmlns:a16="http://schemas.microsoft.com/office/drawing/2014/main" id="{65544390-6E52-B2E9-E171-7E8253080884}"/>
+                <a16:creationId xmlns:a16="http://schemas.microsoft.com/office/drawing/2014/main" id="{DC96535A-C7D1-2066-F7B0-6936D3AA1014}"/>
               </a:ext>
             </a:extLst>
           </p:cNvPr>
@@ -15958,193 +16194,8 @@
         </p:nvSpPr>
         <p:spPr>
           <a:xfrm>
-            <a:off x="842615" y="1786199"/>
-            <a:ext cx="5053852" cy="507831"/>
-          </a:xfrm>
-          <a:prstGeom prst="rect">
-            <a:avLst/>
-          </a:prstGeom>
-          <a:noFill/>
-        </p:spPr>
-        <p:txBody>
-          <a:bodyPr rot="0" spcFirstLastPara="0" vertOverflow="overflow" horzOverflow="overflow" vert="horz" wrap="square" lIns="91440" tIns="45720" rIns="91440" bIns="45720" numCol="1" spcCol="0" rtlCol="0" fromWordArt="0" anchor="t" anchorCtr="0" forceAA="0" compatLnSpc="1">
-            <a:prstTxWarp prst="textNoShape">
-              <a:avLst/>
-            </a:prstTxWarp>
-            <a:spAutoFit/>
-          </a:bodyPr>
-          <a:lstStyle/>
-          <a:p>
-            <a:pPr algn="l"/>
-            <a:r>
-              <a:rPr lang="es-ES" sz="2700" dirty="0">
-                <a:latin typeface="Helvetica Neue"/>
-              </a:rPr>
-              <a:t>  </a:t>
-            </a:r>
-          </a:p>
-        </p:txBody>
-      </p:sp>
-      <p:pic>
-        <p:nvPicPr>
-          <p:cNvPr id="4" name="Imagen 3" descr="Logotipo&#10;&#10;Descripción generada automáticamente">
-            <a:extLst>
-              <a:ext uri="{FF2B5EF4-FFF2-40B4-BE49-F238E27FC236}">
-                <a16:creationId xmlns:a16="http://schemas.microsoft.com/office/drawing/2014/main" id="{1CA81491-7AD3-11C6-3D50-A83E653411B4}"/>
-              </a:ext>
-            </a:extLst>
-          </p:cNvPr>
-          <p:cNvPicPr>
-            <a:picLocks noChangeAspect="1"/>
-          </p:cNvPicPr>
-          <p:nvPr/>
-        </p:nvPicPr>
-        <p:blipFill>
-          <a:blip r:embed="rId4" cstate="print">
-            <a:extLst>
-              <a:ext uri="{28A0092B-C50C-407E-A947-70E740481C1C}">
-                <a14:useLocalDpi xmlns:a14="http://schemas.microsoft.com/office/drawing/2010/main" val="0"/>
-              </a:ext>
-            </a:extLst>
-          </a:blip>
-          <a:stretch>
-            <a:fillRect/>
-          </a:stretch>
-        </p:blipFill>
-        <p:spPr>
-          <a:xfrm>
-            <a:off x="1109431" y="2040114"/>
-            <a:ext cx="1123859" cy="1123859"/>
-          </a:xfrm>
-          <a:prstGeom prst="rect">
-            <a:avLst/>
-          </a:prstGeom>
-        </p:spPr>
-      </p:pic>
-      <p:pic>
-        <p:nvPicPr>
-          <p:cNvPr id="5" name="Imagen 4" descr="Dibujo animado de un animal con la boca abierta&#10;&#10;Descripción generada automáticamente con confianza media">
-            <a:extLst>
-              <a:ext uri="{FF2B5EF4-FFF2-40B4-BE49-F238E27FC236}">
-                <a16:creationId xmlns:a16="http://schemas.microsoft.com/office/drawing/2014/main" id="{77A83FA4-E0B3-AAFF-034A-A8073112A6BF}"/>
-              </a:ext>
-            </a:extLst>
-          </p:cNvPr>
-          <p:cNvPicPr>
-            <a:picLocks noChangeAspect="1"/>
-          </p:cNvPicPr>
-          <p:nvPr/>
-        </p:nvPicPr>
-        <p:blipFill>
-          <a:blip r:embed="rId5" cstate="print">
-            <a:extLst>
-              <a:ext uri="{28A0092B-C50C-407E-A947-70E740481C1C}">
-                <a14:useLocalDpi xmlns:a14="http://schemas.microsoft.com/office/drawing/2010/main" val="0"/>
-              </a:ext>
-            </a:extLst>
-          </a:blip>
-          <a:stretch>
-            <a:fillRect/>
-          </a:stretch>
-        </p:blipFill>
-        <p:spPr>
-          <a:xfrm>
-            <a:off x="4772607" y="2040113"/>
-            <a:ext cx="1123860" cy="1123860"/>
-          </a:xfrm>
-          <a:prstGeom prst="rect">
-            <a:avLst/>
-          </a:prstGeom>
-        </p:spPr>
-      </p:pic>
-      <p:pic>
-        <p:nvPicPr>
-          <p:cNvPr id="6" name="Imagen 5" descr="Icono&#10;&#10;Descripción generada automáticamente">
-            <a:extLst>
-              <a:ext uri="{FF2B5EF4-FFF2-40B4-BE49-F238E27FC236}">
-                <a16:creationId xmlns:a16="http://schemas.microsoft.com/office/drawing/2014/main" id="{C8C6EDCA-CEF0-2083-57E5-BC44C9E7967E}"/>
-              </a:ext>
-            </a:extLst>
-          </p:cNvPr>
-          <p:cNvPicPr>
-            <a:picLocks noChangeAspect="1"/>
-          </p:cNvPicPr>
-          <p:nvPr/>
-        </p:nvPicPr>
-        <p:blipFill>
-          <a:blip r:embed="rId6" cstate="print">
-            <a:extLst>
-              <a:ext uri="{28A0092B-C50C-407E-A947-70E740481C1C}">
-                <a14:useLocalDpi xmlns:a14="http://schemas.microsoft.com/office/drawing/2010/main" val="0"/>
-              </a:ext>
-            </a:extLst>
-          </a:blip>
-          <a:stretch>
-            <a:fillRect/>
-          </a:stretch>
-        </p:blipFill>
-        <p:spPr>
-          <a:xfrm>
-            <a:off x="1109431" y="4255957"/>
-            <a:ext cx="1123859" cy="1123859"/>
-          </a:xfrm>
-          <a:prstGeom prst="rect">
-            <a:avLst/>
-          </a:prstGeom>
-        </p:spPr>
-      </p:pic>
-      <p:pic>
-        <p:nvPicPr>
-          <p:cNvPr id="7" name="Imagen 6" descr="Imagen que contiene Logotipo&#10;&#10;Descripción generada automáticamente">
-            <a:extLst>
-              <a:ext uri="{FF2B5EF4-FFF2-40B4-BE49-F238E27FC236}">
-                <a16:creationId xmlns:a16="http://schemas.microsoft.com/office/drawing/2014/main" id="{CDB2E450-2E07-7BFE-EBF2-AE9E335BAD20}"/>
-              </a:ext>
-            </a:extLst>
-          </p:cNvPr>
-          <p:cNvPicPr>
-            <a:picLocks noChangeAspect="1"/>
-          </p:cNvPicPr>
-          <p:nvPr/>
-        </p:nvPicPr>
-        <p:blipFill>
-          <a:blip r:embed="rId7" cstate="print">
-            <a:extLst>
-              <a:ext uri="{28A0092B-C50C-407E-A947-70E740481C1C}">
-                <a14:useLocalDpi xmlns:a14="http://schemas.microsoft.com/office/drawing/2010/main" val="0"/>
-              </a:ext>
-            </a:extLst>
-          </a:blip>
-          <a:stretch>
-            <a:fillRect/>
-          </a:stretch>
-        </p:blipFill>
-        <p:spPr>
-          <a:xfrm>
-            <a:off x="4772607" y="4255956"/>
-            <a:ext cx="1123859" cy="1123859"/>
-          </a:xfrm>
-          <a:prstGeom prst="rect">
-            <a:avLst/>
-          </a:prstGeom>
-        </p:spPr>
-      </p:pic>
-      <p:sp>
-        <p:nvSpPr>
-          <p:cNvPr id="8" name="CuadroTexto 7">
-            <a:extLst>
-              <a:ext uri="{FF2B5EF4-FFF2-40B4-BE49-F238E27FC236}">
-                <a16:creationId xmlns:a16="http://schemas.microsoft.com/office/drawing/2014/main" id="{7042ECE8-AE33-6472-C31A-821211752547}"/>
-              </a:ext>
-            </a:extLst>
-          </p:cNvPr>
-          <p:cNvSpPr txBox="1"/>
-          <p:nvPr/>
-        </p:nvSpPr>
-        <p:spPr>
-          <a:xfrm>
-            <a:off x="842615" y="1566990"/>
-            <a:ext cx="2002185" cy="461665"/>
+            <a:off x="584818" y="2421467"/>
+            <a:ext cx="7486769" cy="892552"/>
           </a:xfrm>
           <a:prstGeom prst="rect">
             <a:avLst/>
@@ -16158,20 +16209,147 @@
           <a:lstStyle/>
           <a:p>
             <a:r>
-              <a:rPr lang="es-CO" sz="2400" dirty="0">
-                <a:latin typeface="Trebuchet MS" panose="020B0603020202020204" pitchFamily="34" charset="0"/>
+              <a:rPr lang="es-MX" sz="1800" kern="100" dirty="0">
+                <a:effectLst/>
+                <a:latin typeface="Times New Roman" panose="02020603050405020304" pitchFamily="18" charset="0"/>
+                <a:ea typeface="Aptos" panose="020B0004020202020204" pitchFamily="34" charset="0"/>
+                <a:cs typeface="Times New Roman" panose="02020603050405020304" pitchFamily="18" charset="0"/>
               </a:rPr>
-              <a:t>Delincuencia</a:t>
+              <a:t>¿Como desarrollar un software en Java para la búsqueda de empleo en las empresas de Cartagena?</a:t>
             </a:r>
+            <a:endParaRPr lang="es-CO" sz="1800" dirty="0">
+              <a:effectLst/>
+              <a:latin typeface="Calibri" panose="020F0502020204030204" pitchFamily="34" charset="0"/>
+              <a:ea typeface="Calibri" panose="020F0502020204030204" pitchFamily="34" charset="0"/>
+              <a:cs typeface="Times New Roman" panose="02020603050405020304" pitchFamily="18" charset="0"/>
+            </a:endParaRPr>
+          </a:p>
+          <a:p>
+            <a:endParaRPr lang="es-CO" sz="1600" dirty="0"/>
+          </a:p>
+        </p:txBody>
+      </p:sp>
+    </p:spTree>
+  </p:cSld>
+  <p:clrMapOvr>
+    <a:masterClrMapping/>
+  </p:clrMapOvr>
+  <p:transition spd="slow">
+    <p:push dir="u"/>
+  </p:transition>
+</p:sld>
+</file>
+
+<file path=ppt/slides/slide3.xml><?xml version="1.0" encoding="utf-8"?>
+<p:sld xmlns:a="http://schemas.openxmlformats.org/drawingml/2006/main" xmlns:r="http://schemas.openxmlformats.org/officeDocument/2006/relationships" xmlns:p="http://schemas.openxmlformats.org/presentationml/2006/main">
+  <p:cSld>
+    <p:bg>
+      <p:bgPr>
+        <a:blipFill>
+          <a:blip r:embed="rId3">
+            <a:alphaModFix/>
+          </a:blip>
+          <a:stretch>
+            <a:fillRect/>
+          </a:stretch>
+        </a:blipFill>
+        <a:effectLst/>
+      </p:bgPr>
+    </p:bg>
+    <p:spTree>
+      <p:nvGrpSpPr>
+        <p:cNvPr id="1" name="Shape 94">
+          <a:extLst>
+            <a:ext uri="{FF2B5EF4-FFF2-40B4-BE49-F238E27FC236}">
+              <a16:creationId xmlns:a16="http://schemas.microsoft.com/office/drawing/2014/main" id="{0D97085E-B7E2-769E-EB27-403CC2619F70}"/>
+            </a:ext>
+          </a:extLst>
+        </p:cNvPr>
+        <p:cNvGrpSpPr/>
+        <p:nvPr/>
+      </p:nvGrpSpPr>
+      <p:grpSpPr>
+        <a:xfrm>
+          <a:off x="0" y="0"/>
+          <a:ext cx="0" cy="0"/>
+          <a:chOff x="0" y="0"/>
+          <a:chExt cx="0" cy="0"/>
+        </a:xfrm>
+      </p:grpSpPr>
+      <p:sp>
+        <p:nvSpPr>
+          <p:cNvPr id="95" name="Google Shape;95;p2">
+            <a:extLst>
+              <a:ext uri="{FF2B5EF4-FFF2-40B4-BE49-F238E27FC236}">
+                <a16:creationId xmlns:a16="http://schemas.microsoft.com/office/drawing/2014/main" id="{26B30B8D-B076-E9A2-55BE-12136849C9C5}"/>
+              </a:ext>
+            </a:extLst>
+          </p:cNvPr>
+          <p:cNvSpPr txBox="1">
+            <a:spLocks noGrp="1"/>
+          </p:cNvSpPr>
+          <p:nvPr>
+            <p:ph type="ctrTitle"/>
+          </p:nvPr>
+        </p:nvSpPr>
+        <p:spPr>
+          <a:xfrm>
+            <a:off x="941020" y="513128"/>
+            <a:ext cx="6774366" cy="849723"/>
+          </a:xfrm>
+          <a:prstGeom prst="rect">
+            <a:avLst/>
+          </a:prstGeom>
+          <a:noFill/>
+          <a:ln>
+            <a:noFill/>
+          </a:ln>
+        </p:spPr>
+        <p:txBody>
+          <a:bodyPr spcFirstLastPara="1" wrap="square" lIns="91425" tIns="45700" rIns="91425" bIns="45700" anchor="b" anchorCtr="0">
+            <a:normAutofit/>
+          </a:bodyPr>
+          <a:lstStyle/>
+          <a:p>
+            <a:pPr marL="0" lvl="0" indent="0" algn="l" rtl="0">
+              <a:lnSpc>
+                <a:spcPct val="90000"/>
+              </a:lnSpc>
+              <a:spcBef>
+                <a:spcPts val="0"/>
+              </a:spcBef>
+              <a:spcAft>
+                <a:spcPts val="0"/>
+              </a:spcAft>
+              <a:buClr>
+                <a:srgbClr val="002060"/>
+              </a:buClr>
+              <a:buSzPts val="3000"/>
+              <a:buFont typeface="Helvetica Neue"/>
+              <a:buNone/>
+            </a:pPr>
+            <a:r>
+              <a:rPr lang="es-CO" sz="3000" b="1" dirty="0">
+                <a:solidFill>
+                  <a:srgbClr val="002060"/>
+                </a:solidFill>
+                <a:latin typeface="Helvetica Neue"/>
+                <a:ea typeface="Helvetica Neue"/>
+                <a:cs typeface="Helvetica Neue"/>
+                <a:sym typeface="Helvetica Neue"/>
+              </a:rPr>
+              <a:t>Descripción del Problema</a:t>
+            </a:r>
+            <a:endParaRPr dirty="0"/>
           </a:p>
         </p:txBody>
       </p:sp>
       <p:sp>
         <p:nvSpPr>
-          <p:cNvPr id="9" name="CuadroTexto 8">
+          <p:cNvPr id="3" name="CuadroTexto 2">
             <a:extLst>
               <a:ext uri="{FF2B5EF4-FFF2-40B4-BE49-F238E27FC236}">
-                <a16:creationId xmlns:a16="http://schemas.microsoft.com/office/drawing/2014/main" id="{CFE1EBE1-E480-67D9-FA15-D9DDB2009F5E}"/>
+                <a16:creationId xmlns:a16="http://schemas.microsoft.com/office/drawing/2014/main" id="{97520580-15C2-10E9-9946-26F7057139F2}"/>
               </a:ext>
             </a:extLst>
           </p:cNvPr>
@@ -16180,8 +16358,8 @@
         </p:nvSpPr>
         <p:spPr>
           <a:xfrm>
-            <a:off x="4688090" y="1572839"/>
-            <a:ext cx="1804815" cy="461665"/>
+            <a:off x="584818" y="2421467"/>
+            <a:ext cx="7486769" cy="2062103"/>
           </a:xfrm>
           <a:prstGeom prst="rect">
             <a:avLst/>
@@ -16195,87 +16373,19 @@
           <a:lstStyle/>
           <a:p>
             <a:r>
-              <a:rPr lang="es-CO" sz="2400" dirty="0">
-                <a:latin typeface="Trebuchet MS" panose="020B0603020202020204" pitchFamily="34" charset="0"/>
-              </a:rPr>
-              <a:t>Pobreza</a:t>
+              <a:rPr lang="es-ES" sz="1600" dirty="0"/>
+              <a:t>   Cartagena, una de las ciudades más representativas de Colombia tanto por su historia como por su papel en el turismo nacional, enfrenta una preocupante realidad en el ámbito laboral. Según el boletín técnico del DANE “Principales indicadores del mercado laboral. Enero de 2025”, la ciudad presenta una tasa de desempleo del 10,5 %, lo que representa cerca de 112.350 personas sin empleo. Esta cifra resulta alarmante considerando que Cartagena es un destino turístico clave y la quinta ciudad más grande del país, lo cual debería traducirse en múltiples oportunidades laborales.</a:t>
             </a:r>
-          </a:p>
-        </p:txBody>
-      </p:sp>
-      <p:sp>
-        <p:nvSpPr>
-          <p:cNvPr id="10" name="CuadroTexto 9">
-            <a:extLst>
-              <a:ext uri="{FF2B5EF4-FFF2-40B4-BE49-F238E27FC236}">
-                <a16:creationId xmlns:a16="http://schemas.microsoft.com/office/drawing/2014/main" id="{F9895804-FC20-FE0D-E206-040E0F7BB637}"/>
-              </a:ext>
-            </a:extLst>
-          </p:cNvPr>
-          <p:cNvSpPr txBox="1"/>
-          <p:nvPr/>
-        </p:nvSpPr>
-        <p:spPr>
-          <a:xfrm>
-            <a:off x="345480" y="3694028"/>
-            <a:ext cx="2651760" cy="461665"/>
-          </a:xfrm>
-          <a:prstGeom prst="rect">
-            <a:avLst/>
-          </a:prstGeom>
-          <a:noFill/>
-        </p:spPr>
-        <p:txBody>
-          <a:bodyPr wrap="square" rtlCol="0">
-            <a:spAutoFit/>
-          </a:bodyPr>
-          <a:lstStyle/>
-          <a:p>
-            <a:r>
-              <a:rPr lang="es-CO" sz="2400" dirty="0">
-                <a:latin typeface="Trebuchet MS" panose="020B0603020202020204" pitchFamily="34" charset="0"/>
-              </a:rPr>
-              <a:t>Trabajo Informal</a:t>
-            </a:r>
-          </a:p>
-        </p:txBody>
-      </p:sp>
-      <p:sp>
-        <p:nvSpPr>
-          <p:cNvPr id="11" name="CuadroTexto 10">
-            <a:extLst>
-              <a:ext uri="{FF2B5EF4-FFF2-40B4-BE49-F238E27FC236}">
-                <a16:creationId xmlns:a16="http://schemas.microsoft.com/office/drawing/2014/main" id="{E3DD1B74-D762-EF10-31CD-44A21F7A5B7E}"/>
-              </a:ext>
-            </a:extLst>
-          </p:cNvPr>
-          <p:cNvSpPr txBox="1"/>
-          <p:nvPr/>
-        </p:nvSpPr>
-        <p:spPr>
-          <a:xfrm>
-            <a:off x="4000478" y="3694027"/>
-            <a:ext cx="3180037" cy="461665"/>
-          </a:xfrm>
-          <a:prstGeom prst="rect">
-            <a:avLst/>
-          </a:prstGeom>
-          <a:noFill/>
-        </p:spPr>
-        <p:txBody>
-          <a:bodyPr wrap="square" rtlCol="0">
-            <a:spAutoFit/>
-          </a:bodyPr>
-          <a:lstStyle/>
-          <a:p>
-            <a:r>
-              <a:rPr lang="es-CO" sz="2400" dirty="0"/>
-              <a:t>Bienes y Servicios</a:t>
-            </a:r>
+            <a:endParaRPr lang="es-CO" sz="1600" dirty="0"/>
           </a:p>
         </p:txBody>
       </p:sp>
     </p:spTree>
+    <p:extLst>
+      <p:ext uri="{BB962C8B-B14F-4D97-AF65-F5344CB8AC3E}">
+        <p14:creationId xmlns:p14="http://schemas.microsoft.com/office/powerpoint/2010/main" val="360842759"/>
+      </p:ext>
+    </p:extLst>
   </p:cSld>
   <p:clrMapOvr>
     <a:masterClrMapping/>
@@ -16283,1019 +16393,10 @@
   <p:transition spd="slow">
     <p:push dir="u"/>
   </p:transition>
-  <p:timing>
-    <p:tnLst>
-      <p:par>
-        <p:cTn id="1" dur="indefinite" restart="never" nodeType="tmRoot">
-          <p:childTnLst>
-            <p:seq concurrent="1" nextAc="seek">
-              <p:cTn id="2" dur="indefinite" nodeType="mainSeq">
-                <p:childTnLst>
-                  <p:par>
-                    <p:cTn id="3" fill="hold">
-                      <p:stCondLst>
-                        <p:cond delay="indefinite"/>
-                      </p:stCondLst>
-                      <p:childTnLst>
-                        <p:par>
-                          <p:cTn id="4" fill="hold">
-                            <p:stCondLst>
-                              <p:cond delay="0"/>
-                            </p:stCondLst>
-                            <p:childTnLst>
-                              <p:par>
-                                <p:cTn id="5" presetID="31" presetClass="entr" presetSubtype="0" fill="hold" nodeType="clickEffect">
-                                  <p:stCondLst>
-                                    <p:cond delay="0"/>
-                                  </p:stCondLst>
-                                  <p:childTnLst>
-                                    <p:set>
-                                      <p:cBhvr>
-                                        <p:cTn id="6" dur="1" fill="hold">
-                                          <p:stCondLst>
-                                            <p:cond delay="0"/>
-                                          </p:stCondLst>
-                                        </p:cTn>
-                                        <p:tgtEl>
-                                          <p:spTgt spid="4"/>
-                                        </p:tgtEl>
-                                        <p:attrNameLst>
-                                          <p:attrName>style.visibility</p:attrName>
-                                        </p:attrNameLst>
-                                      </p:cBhvr>
-                                      <p:to>
-                                        <p:strVal val="visible"/>
-                                      </p:to>
-                                    </p:set>
-                                    <p:anim calcmode="lin" valueType="num">
-                                      <p:cBhvr>
-                                        <p:cTn id="7" dur="1000" fill="hold"/>
-                                        <p:tgtEl>
-                                          <p:spTgt spid="4"/>
-                                        </p:tgtEl>
-                                        <p:attrNameLst>
-                                          <p:attrName>ppt_w</p:attrName>
-                                        </p:attrNameLst>
-                                      </p:cBhvr>
-                                      <p:tavLst>
-                                        <p:tav tm="0">
-                                          <p:val>
-                                            <p:fltVal val="0"/>
-                                          </p:val>
-                                        </p:tav>
-                                        <p:tav tm="100000">
-                                          <p:val>
-                                            <p:strVal val="#ppt_w"/>
-                                          </p:val>
-                                        </p:tav>
-                                      </p:tavLst>
-                                    </p:anim>
-                                    <p:anim calcmode="lin" valueType="num">
-                                      <p:cBhvr>
-                                        <p:cTn id="8" dur="1000" fill="hold"/>
-                                        <p:tgtEl>
-                                          <p:spTgt spid="4"/>
-                                        </p:tgtEl>
-                                        <p:attrNameLst>
-                                          <p:attrName>ppt_h</p:attrName>
-                                        </p:attrNameLst>
-                                      </p:cBhvr>
-                                      <p:tavLst>
-                                        <p:tav tm="0">
-                                          <p:val>
-                                            <p:fltVal val="0"/>
-                                          </p:val>
-                                        </p:tav>
-                                        <p:tav tm="100000">
-                                          <p:val>
-                                            <p:strVal val="#ppt_h"/>
-                                          </p:val>
-                                        </p:tav>
-                                      </p:tavLst>
-                                    </p:anim>
-                                    <p:anim calcmode="lin" valueType="num">
-                                      <p:cBhvr>
-                                        <p:cTn id="9" dur="1000" fill="hold"/>
-                                        <p:tgtEl>
-                                          <p:spTgt spid="4"/>
-                                        </p:tgtEl>
-                                        <p:attrNameLst>
-                                          <p:attrName>style.rotation</p:attrName>
-                                        </p:attrNameLst>
-                                      </p:cBhvr>
-                                      <p:tavLst>
-                                        <p:tav tm="0">
-                                          <p:val>
-                                            <p:fltVal val="90"/>
-                                          </p:val>
-                                        </p:tav>
-                                        <p:tav tm="100000">
-                                          <p:val>
-                                            <p:fltVal val="0"/>
-                                          </p:val>
-                                        </p:tav>
-                                      </p:tavLst>
-                                    </p:anim>
-                                    <p:animEffect transition="in" filter="fade">
-                                      <p:cBhvr>
-                                        <p:cTn id="10" dur="1000"/>
-                                        <p:tgtEl>
-                                          <p:spTgt spid="4"/>
-                                        </p:tgtEl>
-                                      </p:cBhvr>
-                                    </p:animEffect>
-                                  </p:childTnLst>
-                                </p:cTn>
-                              </p:par>
-                              <p:par>
-                                <p:cTn id="11" presetID="31" presetClass="entr" presetSubtype="0" fill="hold" nodeType="withEffect">
-                                  <p:stCondLst>
-                                    <p:cond delay="0"/>
-                                  </p:stCondLst>
-                                  <p:childTnLst>
-                                    <p:set>
-                                      <p:cBhvr>
-                                        <p:cTn id="12" dur="1" fill="hold">
-                                          <p:stCondLst>
-                                            <p:cond delay="0"/>
-                                          </p:stCondLst>
-                                        </p:cTn>
-                                        <p:tgtEl>
-                                          <p:spTgt spid="5"/>
-                                        </p:tgtEl>
-                                        <p:attrNameLst>
-                                          <p:attrName>style.visibility</p:attrName>
-                                        </p:attrNameLst>
-                                      </p:cBhvr>
-                                      <p:to>
-                                        <p:strVal val="visible"/>
-                                      </p:to>
-                                    </p:set>
-                                    <p:anim calcmode="lin" valueType="num">
-                                      <p:cBhvr>
-                                        <p:cTn id="13" dur="1000" fill="hold"/>
-                                        <p:tgtEl>
-                                          <p:spTgt spid="5"/>
-                                        </p:tgtEl>
-                                        <p:attrNameLst>
-                                          <p:attrName>ppt_w</p:attrName>
-                                        </p:attrNameLst>
-                                      </p:cBhvr>
-                                      <p:tavLst>
-                                        <p:tav tm="0">
-                                          <p:val>
-                                            <p:fltVal val="0"/>
-                                          </p:val>
-                                        </p:tav>
-                                        <p:tav tm="100000">
-                                          <p:val>
-                                            <p:strVal val="#ppt_w"/>
-                                          </p:val>
-                                        </p:tav>
-                                      </p:tavLst>
-                                    </p:anim>
-                                    <p:anim calcmode="lin" valueType="num">
-                                      <p:cBhvr>
-                                        <p:cTn id="14" dur="1000" fill="hold"/>
-                                        <p:tgtEl>
-                                          <p:spTgt spid="5"/>
-                                        </p:tgtEl>
-                                        <p:attrNameLst>
-                                          <p:attrName>ppt_h</p:attrName>
-                                        </p:attrNameLst>
-                                      </p:cBhvr>
-                                      <p:tavLst>
-                                        <p:tav tm="0">
-                                          <p:val>
-                                            <p:fltVal val="0"/>
-                                          </p:val>
-                                        </p:tav>
-                                        <p:tav tm="100000">
-                                          <p:val>
-                                            <p:strVal val="#ppt_h"/>
-                                          </p:val>
-                                        </p:tav>
-                                      </p:tavLst>
-                                    </p:anim>
-                                    <p:anim calcmode="lin" valueType="num">
-                                      <p:cBhvr>
-                                        <p:cTn id="15" dur="1000" fill="hold"/>
-                                        <p:tgtEl>
-                                          <p:spTgt spid="5"/>
-                                        </p:tgtEl>
-                                        <p:attrNameLst>
-                                          <p:attrName>style.rotation</p:attrName>
-                                        </p:attrNameLst>
-                                      </p:cBhvr>
-                                      <p:tavLst>
-                                        <p:tav tm="0">
-                                          <p:val>
-                                            <p:fltVal val="90"/>
-                                          </p:val>
-                                        </p:tav>
-                                        <p:tav tm="100000">
-                                          <p:val>
-                                            <p:fltVal val="0"/>
-                                          </p:val>
-                                        </p:tav>
-                                      </p:tavLst>
-                                    </p:anim>
-                                    <p:animEffect transition="in" filter="fade">
-                                      <p:cBhvr>
-                                        <p:cTn id="16" dur="1000"/>
-                                        <p:tgtEl>
-                                          <p:spTgt spid="5"/>
-                                        </p:tgtEl>
-                                      </p:cBhvr>
-                                    </p:animEffect>
-                                  </p:childTnLst>
-                                </p:cTn>
-                              </p:par>
-                              <p:par>
-                                <p:cTn id="17" presetID="31" presetClass="entr" presetSubtype="0" fill="hold" nodeType="withEffect">
-                                  <p:stCondLst>
-                                    <p:cond delay="0"/>
-                                  </p:stCondLst>
-                                  <p:childTnLst>
-                                    <p:set>
-                                      <p:cBhvr>
-                                        <p:cTn id="18" dur="1" fill="hold">
-                                          <p:stCondLst>
-                                            <p:cond delay="0"/>
-                                          </p:stCondLst>
-                                        </p:cTn>
-                                        <p:tgtEl>
-                                          <p:spTgt spid="6"/>
-                                        </p:tgtEl>
-                                        <p:attrNameLst>
-                                          <p:attrName>style.visibility</p:attrName>
-                                        </p:attrNameLst>
-                                      </p:cBhvr>
-                                      <p:to>
-                                        <p:strVal val="visible"/>
-                                      </p:to>
-                                    </p:set>
-                                    <p:anim calcmode="lin" valueType="num">
-                                      <p:cBhvr>
-                                        <p:cTn id="19" dur="1000" fill="hold"/>
-                                        <p:tgtEl>
-                                          <p:spTgt spid="6"/>
-                                        </p:tgtEl>
-                                        <p:attrNameLst>
-                                          <p:attrName>ppt_w</p:attrName>
-                                        </p:attrNameLst>
-                                      </p:cBhvr>
-                                      <p:tavLst>
-                                        <p:tav tm="0">
-                                          <p:val>
-                                            <p:fltVal val="0"/>
-                                          </p:val>
-                                        </p:tav>
-                                        <p:tav tm="100000">
-                                          <p:val>
-                                            <p:strVal val="#ppt_w"/>
-                                          </p:val>
-                                        </p:tav>
-                                      </p:tavLst>
-                                    </p:anim>
-                                    <p:anim calcmode="lin" valueType="num">
-                                      <p:cBhvr>
-                                        <p:cTn id="20" dur="1000" fill="hold"/>
-                                        <p:tgtEl>
-                                          <p:spTgt spid="6"/>
-                                        </p:tgtEl>
-                                        <p:attrNameLst>
-                                          <p:attrName>ppt_h</p:attrName>
-                                        </p:attrNameLst>
-                                      </p:cBhvr>
-                                      <p:tavLst>
-                                        <p:tav tm="0">
-                                          <p:val>
-                                            <p:fltVal val="0"/>
-                                          </p:val>
-                                        </p:tav>
-                                        <p:tav tm="100000">
-                                          <p:val>
-                                            <p:strVal val="#ppt_h"/>
-                                          </p:val>
-                                        </p:tav>
-                                      </p:tavLst>
-                                    </p:anim>
-                                    <p:anim calcmode="lin" valueType="num">
-                                      <p:cBhvr>
-                                        <p:cTn id="21" dur="1000" fill="hold"/>
-                                        <p:tgtEl>
-                                          <p:spTgt spid="6"/>
-                                        </p:tgtEl>
-                                        <p:attrNameLst>
-                                          <p:attrName>style.rotation</p:attrName>
-                                        </p:attrNameLst>
-                                      </p:cBhvr>
-                                      <p:tavLst>
-                                        <p:tav tm="0">
-                                          <p:val>
-                                            <p:fltVal val="90"/>
-                                          </p:val>
-                                        </p:tav>
-                                        <p:tav tm="100000">
-                                          <p:val>
-                                            <p:fltVal val="0"/>
-                                          </p:val>
-                                        </p:tav>
-                                      </p:tavLst>
-                                    </p:anim>
-                                    <p:animEffect transition="in" filter="fade">
-                                      <p:cBhvr>
-                                        <p:cTn id="22" dur="1000"/>
-                                        <p:tgtEl>
-                                          <p:spTgt spid="6"/>
-                                        </p:tgtEl>
-                                      </p:cBhvr>
-                                    </p:animEffect>
-                                  </p:childTnLst>
-                                </p:cTn>
-                              </p:par>
-                              <p:par>
-                                <p:cTn id="23" presetID="31" presetClass="entr" presetSubtype="0" fill="hold" nodeType="withEffect">
-                                  <p:stCondLst>
-                                    <p:cond delay="0"/>
-                                  </p:stCondLst>
-                                  <p:childTnLst>
-                                    <p:set>
-                                      <p:cBhvr>
-                                        <p:cTn id="24" dur="1" fill="hold">
-                                          <p:stCondLst>
-                                            <p:cond delay="0"/>
-                                          </p:stCondLst>
-                                        </p:cTn>
-                                        <p:tgtEl>
-                                          <p:spTgt spid="7"/>
-                                        </p:tgtEl>
-                                        <p:attrNameLst>
-                                          <p:attrName>style.visibility</p:attrName>
-                                        </p:attrNameLst>
-                                      </p:cBhvr>
-                                      <p:to>
-                                        <p:strVal val="visible"/>
-                                      </p:to>
-                                    </p:set>
-                                    <p:anim calcmode="lin" valueType="num">
-                                      <p:cBhvr>
-                                        <p:cTn id="25" dur="1000" fill="hold"/>
-                                        <p:tgtEl>
-                                          <p:spTgt spid="7"/>
-                                        </p:tgtEl>
-                                        <p:attrNameLst>
-                                          <p:attrName>ppt_w</p:attrName>
-                                        </p:attrNameLst>
-                                      </p:cBhvr>
-                                      <p:tavLst>
-                                        <p:tav tm="0">
-                                          <p:val>
-                                            <p:fltVal val="0"/>
-                                          </p:val>
-                                        </p:tav>
-                                        <p:tav tm="100000">
-                                          <p:val>
-                                            <p:strVal val="#ppt_w"/>
-                                          </p:val>
-                                        </p:tav>
-                                      </p:tavLst>
-                                    </p:anim>
-                                    <p:anim calcmode="lin" valueType="num">
-                                      <p:cBhvr>
-                                        <p:cTn id="26" dur="1000" fill="hold"/>
-                                        <p:tgtEl>
-                                          <p:spTgt spid="7"/>
-                                        </p:tgtEl>
-                                        <p:attrNameLst>
-                                          <p:attrName>ppt_h</p:attrName>
-                                        </p:attrNameLst>
-                                      </p:cBhvr>
-                                      <p:tavLst>
-                                        <p:tav tm="0">
-                                          <p:val>
-                                            <p:fltVal val="0"/>
-                                          </p:val>
-                                        </p:tav>
-                                        <p:tav tm="100000">
-                                          <p:val>
-                                            <p:strVal val="#ppt_h"/>
-                                          </p:val>
-                                        </p:tav>
-                                      </p:tavLst>
-                                    </p:anim>
-                                    <p:anim calcmode="lin" valueType="num">
-                                      <p:cBhvr>
-                                        <p:cTn id="27" dur="1000" fill="hold"/>
-                                        <p:tgtEl>
-                                          <p:spTgt spid="7"/>
-                                        </p:tgtEl>
-                                        <p:attrNameLst>
-                                          <p:attrName>style.rotation</p:attrName>
-                                        </p:attrNameLst>
-                                      </p:cBhvr>
-                                      <p:tavLst>
-                                        <p:tav tm="0">
-                                          <p:val>
-                                            <p:fltVal val="90"/>
-                                          </p:val>
-                                        </p:tav>
-                                        <p:tav tm="100000">
-                                          <p:val>
-                                            <p:fltVal val="0"/>
-                                          </p:val>
-                                        </p:tav>
-                                      </p:tavLst>
-                                    </p:anim>
-                                    <p:animEffect transition="in" filter="fade">
-                                      <p:cBhvr>
-                                        <p:cTn id="28" dur="1000"/>
-                                        <p:tgtEl>
-                                          <p:spTgt spid="7"/>
-                                        </p:tgtEl>
-                                      </p:cBhvr>
-                                    </p:animEffect>
-                                  </p:childTnLst>
-                                </p:cTn>
-                              </p:par>
-                              <p:par>
-                                <p:cTn id="29" presetID="31" presetClass="entr" presetSubtype="0" fill="hold" grpId="0" nodeType="withEffect">
-                                  <p:stCondLst>
-                                    <p:cond delay="0"/>
-                                  </p:stCondLst>
-                                  <p:childTnLst>
-                                    <p:set>
-                                      <p:cBhvr>
-                                        <p:cTn id="30" dur="1" fill="hold">
-                                          <p:stCondLst>
-                                            <p:cond delay="0"/>
-                                          </p:stCondLst>
-                                        </p:cTn>
-                                        <p:tgtEl>
-                                          <p:spTgt spid="2"/>
-                                        </p:tgtEl>
-                                        <p:attrNameLst>
-                                          <p:attrName>style.visibility</p:attrName>
-                                        </p:attrNameLst>
-                                      </p:cBhvr>
-                                      <p:to>
-                                        <p:strVal val="visible"/>
-                                      </p:to>
-                                    </p:set>
-                                    <p:anim calcmode="lin" valueType="num">
-                                      <p:cBhvr>
-                                        <p:cTn id="31" dur="1000" fill="hold"/>
-                                        <p:tgtEl>
-                                          <p:spTgt spid="2"/>
-                                        </p:tgtEl>
-                                        <p:attrNameLst>
-                                          <p:attrName>ppt_w</p:attrName>
-                                        </p:attrNameLst>
-                                      </p:cBhvr>
-                                      <p:tavLst>
-                                        <p:tav tm="0">
-                                          <p:val>
-                                            <p:fltVal val="0"/>
-                                          </p:val>
-                                        </p:tav>
-                                        <p:tav tm="100000">
-                                          <p:val>
-                                            <p:strVal val="#ppt_w"/>
-                                          </p:val>
-                                        </p:tav>
-                                      </p:tavLst>
-                                    </p:anim>
-                                    <p:anim calcmode="lin" valueType="num">
-                                      <p:cBhvr>
-                                        <p:cTn id="32" dur="1000" fill="hold"/>
-                                        <p:tgtEl>
-                                          <p:spTgt spid="2"/>
-                                        </p:tgtEl>
-                                        <p:attrNameLst>
-                                          <p:attrName>ppt_h</p:attrName>
-                                        </p:attrNameLst>
-                                      </p:cBhvr>
-                                      <p:tavLst>
-                                        <p:tav tm="0">
-                                          <p:val>
-                                            <p:fltVal val="0"/>
-                                          </p:val>
-                                        </p:tav>
-                                        <p:tav tm="100000">
-                                          <p:val>
-                                            <p:strVal val="#ppt_h"/>
-                                          </p:val>
-                                        </p:tav>
-                                      </p:tavLst>
-                                    </p:anim>
-                                    <p:anim calcmode="lin" valueType="num">
-                                      <p:cBhvr>
-                                        <p:cTn id="33" dur="1000" fill="hold"/>
-                                        <p:tgtEl>
-                                          <p:spTgt spid="2"/>
-                                        </p:tgtEl>
-                                        <p:attrNameLst>
-                                          <p:attrName>style.rotation</p:attrName>
-                                        </p:attrNameLst>
-                                      </p:cBhvr>
-                                      <p:tavLst>
-                                        <p:tav tm="0">
-                                          <p:val>
-                                            <p:fltVal val="90"/>
-                                          </p:val>
-                                        </p:tav>
-                                        <p:tav tm="100000">
-                                          <p:val>
-                                            <p:fltVal val="0"/>
-                                          </p:val>
-                                        </p:tav>
-                                      </p:tavLst>
-                                    </p:anim>
-                                    <p:animEffect transition="in" filter="fade">
-                                      <p:cBhvr>
-                                        <p:cTn id="34" dur="1000"/>
-                                        <p:tgtEl>
-                                          <p:spTgt spid="2"/>
-                                        </p:tgtEl>
-                                      </p:cBhvr>
-                                    </p:animEffect>
-                                  </p:childTnLst>
-                                </p:cTn>
-                              </p:par>
-                            </p:childTnLst>
-                          </p:cTn>
-                        </p:par>
-                      </p:childTnLst>
-                    </p:cTn>
-                  </p:par>
-                  <p:par>
-                    <p:cTn id="35" fill="hold">
-                      <p:stCondLst>
-                        <p:cond delay="indefinite"/>
-                      </p:stCondLst>
-                      <p:childTnLst>
-                        <p:par>
-                          <p:cTn id="36" fill="hold">
-                            <p:stCondLst>
-                              <p:cond delay="0"/>
-                            </p:stCondLst>
-                            <p:childTnLst>
-                              <p:par>
-                                <p:cTn id="37" presetID="31" presetClass="entr" presetSubtype="0" fill="hold" grpId="0" nodeType="clickEffect">
-                                  <p:stCondLst>
-                                    <p:cond delay="0"/>
-                                  </p:stCondLst>
-                                  <p:childTnLst>
-                                    <p:set>
-                                      <p:cBhvr>
-                                        <p:cTn id="38" dur="1" fill="hold">
-                                          <p:stCondLst>
-                                            <p:cond delay="0"/>
-                                          </p:stCondLst>
-                                        </p:cTn>
-                                        <p:tgtEl>
-                                          <p:spTgt spid="8"/>
-                                        </p:tgtEl>
-                                        <p:attrNameLst>
-                                          <p:attrName>style.visibility</p:attrName>
-                                        </p:attrNameLst>
-                                      </p:cBhvr>
-                                      <p:to>
-                                        <p:strVal val="visible"/>
-                                      </p:to>
-                                    </p:set>
-                                    <p:anim calcmode="lin" valueType="num">
-                                      <p:cBhvr>
-                                        <p:cTn id="39" dur="1000" fill="hold"/>
-                                        <p:tgtEl>
-                                          <p:spTgt spid="8"/>
-                                        </p:tgtEl>
-                                        <p:attrNameLst>
-                                          <p:attrName>ppt_w</p:attrName>
-                                        </p:attrNameLst>
-                                      </p:cBhvr>
-                                      <p:tavLst>
-                                        <p:tav tm="0">
-                                          <p:val>
-                                            <p:fltVal val="0"/>
-                                          </p:val>
-                                        </p:tav>
-                                        <p:tav tm="100000">
-                                          <p:val>
-                                            <p:strVal val="#ppt_w"/>
-                                          </p:val>
-                                        </p:tav>
-                                      </p:tavLst>
-                                    </p:anim>
-                                    <p:anim calcmode="lin" valueType="num">
-                                      <p:cBhvr>
-                                        <p:cTn id="40" dur="1000" fill="hold"/>
-                                        <p:tgtEl>
-                                          <p:spTgt spid="8"/>
-                                        </p:tgtEl>
-                                        <p:attrNameLst>
-                                          <p:attrName>ppt_h</p:attrName>
-                                        </p:attrNameLst>
-                                      </p:cBhvr>
-                                      <p:tavLst>
-                                        <p:tav tm="0">
-                                          <p:val>
-                                            <p:fltVal val="0"/>
-                                          </p:val>
-                                        </p:tav>
-                                        <p:tav tm="100000">
-                                          <p:val>
-                                            <p:strVal val="#ppt_h"/>
-                                          </p:val>
-                                        </p:tav>
-                                      </p:tavLst>
-                                    </p:anim>
-                                    <p:anim calcmode="lin" valueType="num">
-                                      <p:cBhvr>
-                                        <p:cTn id="41" dur="1000" fill="hold"/>
-                                        <p:tgtEl>
-                                          <p:spTgt spid="8"/>
-                                        </p:tgtEl>
-                                        <p:attrNameLst>
-                                          <p:attrName>style.rotation</p:attrName>
-                                        </p:attrNameLst>
-                                      </p:cBhvr>
-                                      <p:tavLst>
-                                        <p:tav tm="0">
-                                          <p:val>
-                                            <p:fltVal val="90"/>
-                                          </p:val>
-                                        </p:tav>
-                                        <p:tav tm="100000">
-                                          <p:val>
-                                            <p:fltVal val="0"/>
-                                          </p:val>
-                                        </p:tav>
-                                      </p:tavLst>
-                                    </p:anim>
-                                    <p:animEffect transition="in" filter="fade">
-                                      <p:cBhvr>
-                                        <p:cTn id="42" dur="1000"/>
-                                        <p:tgtEl>
-                                          <p:spTgt spid="8"/>
-                                        </p:tgtEl>
-                                      </p:cBhvr>
-                                    </p:animEffect>
-                                  </p:childTnLst>
-                                </p:cTn>
-                              </p:par>
-                              <p:par>
-                                <p:cTn id="43" presetID="31" presetClass="entr" presetSubtype="0" fill="hold" grpId="0" nodeType="withEffect">
-                                  <p:stCondLst>
-                                    <p:cond delay="0"/>
-                                  </p:stCondLst>
-                                  <p:childTnLst>
-                                    <p:set>
-                                      <p:cBhvr>
-                                        <p:cTn id="44" dur="1" fill="hold">
-                                          <p:stCondLst>
-                                            <p:cond delay="0"/>
-                                          </p:stCondLst>
-                                        </p:cTn>
-                                        <p:tgtEl>
-                                          <p:spTgt spid="9"/>
-                                        </p:tgtEl>
-                                        <p:attrNameLst>
-                                          <p:attrName>style.visibility</p:attrName>
-                                        </p:attrNameLst>
-                                      </p:cBhvr>
-                                      <p:to>
-                                        <p:strVal val="visible"/>
-                                      </p:to>
-                                    </p:set>
-                                    <p:anim calcmode="lin" valueType="num">
-                                      <p:cBhvr>
-                                        <p:cTn id="45" dur="1000" fill="hold"/>
-                                        <p:tgtEl>
-                                          <p:spTgt spid="9"/>
-                                        </p:tgtEl>
-                                        <p:attrNameLst>
-                                          <p:attrName>ppt_w</p:attrName>
-                                        </p:attrNameLst>
-                                      </p:cBhvr>
-                                      <p:tavLst>
-                                        <p:tav tm="0">
-                                          <p:val>
-                                            <p:fltVal val="0"/>
-                                          </p:val>
-                                        </p:tav>
-                                        <p:tav tm="100000">
-                                          <p:val>
-                                            <p:strVal val="#ppt_w"/>
-                                          </p:val>
-                                        </p:tav>
-                                      </p:tavLst>
-                                    </p:anim>
-                                    <p:anim calcmode="lin" valueType="num">
-                                      <p:cBhvr>
-                                        <p:cTn id="46" dur="1000" fill="hold"/>
-                                        <p:tgtEl>
-                                          <p:spTgt spid="9"/>
-                                        </p:tgtEl>
-                                        <p:attrNameLst>
-                                          <p:attrName>ppt_h</p:attrName>
-                                        </p:attrNameLst>
-                                      </p:cBhvr>
-                                      <p:tavLst>
-                                        <p:tav tm="0">
-                                          <p:val>
-                                            <p:fltVal val="0"/>
-                                          </p:val>
-                                        </p:tav>
-                                        <p:tav tm="100000">
-                                          <p:val>
-                                            <p:strVal val="#ppt_h"/>
-                                          </p:val>
-                                        </p:tav>
-                                      </p:tavLst>
-                                    </p:anim>
-                                    <p:anim calcmode="lin" valueType="num">
-                                      <p:cBhvr>
-                                        <p:cTn id="47" dur="1000" fill="hold"/>
-                                        <p:tgtEl>
-                                          <p:spTgt spid="9"/>
-                                        </p:tgtEl>
-                                        <p:attrNameLst>
-                                          <p:attrName>style.rotation</p:attrName>
-                                        </p:attrNameLst>
-                                      </p:cBhvr>
-                                      <p:tavLst>
-                                        <p:tav tm="0">
-                                          <p:val>
-                                            <p:fltVal val="90"/>
-                                          </p:val>
-                                        </p:tav>
-                                        <p:tav tm="100000">
-                                          <p:val>
-                                            <p:fltVal val="0"/>
-                                          </p:val>
-                                        </p:tav>
-                                      </p:tavLst>
-                                    </p:anim>
-                                    <p:animEffect transition="in" filter="fade">
-                                      <p:cBhvr>
-                                        <p:cTn id="48" dur="1000"/>
-                                        <p:tgtEl>
-                                          <p:spTgt spid="9"/>
-                                        </p:tgtEl>
-                                      </p:cBhvr>
-                                    </p:animEffect>
-                                  </p:childTnLst>
-                                </p:cTn>
-                              </p:par>
-                              <p:par>
-                                <p:cTn id="49" presetID="31" presetClass="entr" presetSubtype="0" fill="hold" grpId="0" nodeType="withEffect">
-                                  <p:stCondLst>
-                                    <p:cond delay="0"/>
-                                  </p:stCondLst>
-                                  <p:childTnLst>
-                                    <p:set>
-                                      <p:cBhvr>
-                                        <p:cTn id="50" dur="1" fill="hold">
-                                          <p:stCondLst>
-                                            <p:cond delay="0"/>
-                                          </p:stCondLst>
-                                        </p:cTn>
-                                        <p:tgtEl>
-                                          <p:spTgt spid="11"/>
-                                        </p:tgtEl>
-                                        <p:attrNameLst>
-                                          <p:attrName>style.visibility</p:attrName>
-                                        </p:attrNameLst>
-                                      </p:cBhvr>
-                                      <p:to>
-                                        <p:strVal val="visible"/>
-                                      </p:to>
-                                    </p:set>
-                                    <p:anim calcmode="lin" valueType="num">
-                                      <p:cBhvr>
-                                        <p:cTn id="51" dur="1000" fill="hold"/>
-                                        <p:tgtEl>
-                                          <p:spTgt spid="11"/>
-                                        </p:tgtEl>
-                                        <p:attrNameLst>
-                                          <p:attrName>ppt_w</p:attrName>
-                                        </p:attrNameLst>
-                                      </p:cBhvr>
-                                      <p:tavLst>
-                                        <p:tav tm="0">
-                                          <p:val>
-                                            <p:fltVal val="0"/>
-                                          </p:val>
-                                        </p:tav>
-                                        <p:tav tm="100000">
-                                          <p:val>
-                                            <p:strVal val="#ppt_w"/>
-                                          </p:val>
-                                        </p:tav>
-                                      </p:tavLst>
-                                    </p:anim>
-                                    <p:anim calcmode="lin" valueType="num">
-                                      <p:cBhvr>
-                                        <p:cTn id="52" dur="1000" fill="hold"/>
-                                        <p:tgtEl>
-                                          <p:spTgt spid="11"/>
-                                        </p:tgtEl>
-                                        <p:attrNameLst>
-                                          <p:attrName>ppt_h</p:attrName>
-                                        </p:attrNameLst>
-                                      </p:cBhvr>
-                                      <p:tavLst>
-                                        <p:tav tm="0">
-                                          <p:val>
-                                            <p:fltVal val="0"/>
-                                          </p:val>
-                                        </p:tav>
-                                        <p:tav tm="100000">
-                                          <p:val>
-                                            <p:strVal val="#ppt_h"/>
-                                          </p:val>
-                                        </p:tav>
-                                      </p:tavLst>
-                                    </p:anim>
-                                    <p:anim calcmode="lin" valueType="num">
-                                      <p:cBhvr>
-                                        <p:cTn id="53" dur="1000" fill="hold"/>
-                                        <p:tgtEl>
-                                          <p:spTgt spid="11"/>
-                                        </p:tgtEl>
-                                        <p:attrNameLst>
-                                          <p:attrName>style.rotation</p:attrName>
-                                        </p:attrNameLst>
-                                      </p:cBhvr>
-                                      <p:tavLst>
-                                        <p:tav tm="0">
-                                          <p:val>
-                                            <p:fltVal val="90"/>
-                                          </p:val>
-                                        </p:tav>
-                                        <p:tav tm="100000">
-                                          <p:val>
-                                            <p:fltVal val="0"/>
-                                          </p:val>
-                                        </p:tav>
-                                      </p:tavLst>
-                                    </p:anim>
-                                    <p:animEffect transition="in" filter="fade">
-                                      <p:cBhvr>
-                                        <p:cTn id="54" dur="1000"/>
-                                        <p:tgtEl>
-                                          <p:spTgt spid="11"/>
-                                        </p:tgtEl>
-                                      </p:cBhvr>
-                                    </p:animEffect>
-                                  </p:childTnLst>
-                                </p:cTn>
-                              </p:par>
-                              <p:par>
-                                <p:cTn id="55" presetID="31" presetClass="entr" presetSubtype="0" fill="hold" grpId="0" nodeType="withEffect">
-                                  <p:stCondLst>
-                                    <p:cond delay="0"/>
-                                  </p:stCondLst>
-                                  <p:childTnLst>
-                                    <p:set>
-                                      <p:cBhvr>
-                                        <p:cTn id="56" dur="1" fill="hold">
-                                          <p:stCondLst>
-                                            <p:cond delay="0"/>
-                                          </p:stCondLst>
-                                        </p:cTn>
-                                        <p:tgtEl>
-                                          <p:spTgt spid="10"/>
-                                        </p:tgtEl>
-                                        <p:attrNameLst>
-                                          <p:attrName>style.visibility</p:attrName>
-                                        </p:attrNameLst>
-                                      </p:cBhvr>
-                                      <p:to>
-                                        <p:strVal val="visible"/>
-                                      </p:to>
-                                    </p:set>
-                                    <p:anim calcmode="lin" valueType="num">
-                                      <p:cBhvr>
-                                        <p:cTn id="57" dur="1000" fill="hold"/>
-                                        <p:tgtEl>
-                                          <p:spTgt spid="10"/>
-                                        </p:tgtEl>
-                                        <p:attrNameLst>
-                                          <p:attrName>ppt_w</p:attrName>
-                                        </p:attrNameLst>
-                                      </p:cBhvr>
-                                      <p:tavLst>
-                                        <p:tav tm="0">
-                                          <p:val>
-                                            <p:fltVal val="0"/>
-                                          </p:val>
-                                        </p:tav>
-                                        <p:tav tm="100000">
-                                          <p:val>
-                                            <p:strVal val="#ppt_w"/>
-                                          </p:val>
-                                        </p:tav>
-                                      </p:tavLst>
-                                    </p:anim>
-                                    <p:anim calcmode="lin" valueType="num">
-                                      <p:cBhvr>
-                                        <p:cTn id="58" dur="1000" fill="hold"/>
-                                        <p:tgtEl>
-                                          <p:spTgt spid="10"/>
-                                        </p:tgtEl>
-                                        <p:attrNameLst>
-                                          <p:attrName>ppt_h</p:attrName>
-                                        </p:attrNameLst>
-                                      </p:cBhvr>
-                                      <p:tavLst>
-                                        <p:tav tm="0">
-                                          <p:val>
-                                            <p:fltVal val="0"/>
-                                          </p:val>
-                                        </p:tav>
-                                        <p:tav tm="100000">
-                                          <p:val>
-                                            <p:strVal val="#ppt_h"/>
-                                          </p:val>
-                                        </p:tav>
-                                      </p:tavLst>
-                                    </p:anim>
-                                    <p:anim calcmode="lin" valueType="num">
-                                      <p:cBhvr>
-                                        <p:cTn id="59" dur="1000" fill="hold"/>
-                                        <p:tgtEl>
-                                          <p:spTgt spid="10"/>
-                                        </p:tgtEl>
-                                        <p:attrNameLst>
-                                          <p:attrName>style.rotation</p:attrName>
-                                        </p:attrNameLst>
-                                      </p:cBhvr>
-                                      <p:tavLst>
-                                        <p:tav tm="0">
-                                          <p:val>
-                                            <p:fltVal val="90"/>
-                                          </p:val>
-                                        </p:tav>
-                                        <p:tav tm="100000">
-                                          <p:val>
-                                            <p:fltVal val="0"/>
-                                          </p:val>
-                                        </p:tav>
-                                      </p:tavLst>
-                                    </p:anim>
-                                    <p:animEffect transition="in" filter="fade">
-                                      <p:cBhvr>
-                                        <p:cTn id="60" dur="1000"/>
-                                        <p:tgtEl>
-                                          <p:spTgt spid="10"/>
-                                        </p:tgtEl>
-                                      </p:cBhvr>
-                                    </p:animEffect>
-                                  </p:childTnLst>
-                                </p:cTn>
-                              </p:par>
-                            </p:childTnLst>
-                          </p:cTn>
-                        </p:par>
-                      </p:childTnLst>
-                    </p:cTn>
-                  </p:par>
-                </p:childTnLst>
-              </p:cTn>
-              <p:prevCondLst>
-                <p:cond evt="onPrev" delay="0">
-                  <p:tgtEl>
-                    <p:sldTgt/>
-                  </p:tgtEl>
-                </p:cond>
-              </p:prevCondLst>
-              <p:nextCondLst>
-                <p:cond evt="onNext" delay="0">
-                  <p:tgtEl>
-                    <p:sldTgt/>
-                  </p:tgtEl>
-                </p:cond>
-              </p:nextCondLst>
-            </p:seq>
-          </p:childTnLst>
-        </p:cTn>
-      </p:par>
-    </p:tnLst>
-    <p:bldLst>
-      <p:bldP spid="2" grpId="0"/>
-      <p:bldP spid="8" grpId="0"/>
-      <p:bldP spid="9" grpId="0"/>
-      <p:bldP spid="10" grpId="0"/>
-      <p:bldP spid="11" grpId="0"/>
-    </p:bldLst>
-  </p:timing>
 </p:sld>
 </file>
 
-<file path=ppt/slides/slide3.xml><?xml version="1.0" encoding="utf-8"?>
+<file path=ppt/slides/slide4.xml><?xml version="1.0" encoding="utf-8"?>
 <p:sld xmlns:a="http://schemas.openxmlformats.org/drawingml/2006/main" xmlns:r="http://schemas.openxmlformats.org/officeDocument/2006/relationships" xmlns:p="http://schemas.openxmlformats.org/presentationml/2006/main">
   <p:cSld>
     <p:bg>
@@ -17385,156 +16486,12 @@
           </a:p>
         </p:txBody>
       </p:sp>
-      <p:pic>
-        <p:nvPicPr>
-          <p:cNvPr id="3" name="Imagen 2" descr="Icono&#10;&#10;Descripción generada automáticamente">
+      <p:sp>
+        <p:nvSpPr>
+          <p:cNvPr id="2" name="CuadroTexto 1">
             <a:extLst>
               <a:ext uri="{FF2B5EF4-FFF2-40B4-BE49-F238E27FC236}">
-                <a16:creationId xmlns:a16="http://schemas.microsoft.com/office/drawing/2014/main" id="{9B65103C-3F3E-B579-C7D1-1717D6693F61}"/>
-              </a:ext>
-            </a:extLst>
-          </p:cNvPr>
-          <p:cNvPicPr>
-            <a:picLocks noChangeAspect="1"/>
-          </p:cNvPicPr>
-          <p:nvPr/>
-        </p:nvPicPr>
-        <p:blipFill>
-          <a:blip r:embed="rId4" cstate="print">
-            <a:extLst>
-              <a:ext uri="{28A0092B-C50C-407E-A947-70E740481C1C}">
-                <a14:useLocalDpi xmlns:a14="http://schemas.microsoft.com/office/drawing/2010/main" val="0"/>
-              </a:ext>
-            </a:extLst>
-          </a:blip>
-          <a:stretch>
-            <a:fillRect/>
-          </a:stretch>
-        </p:blipFill>
-        <p:spPr>
-          <a:xfrm>
-            <a:off x="941020" y="2032735"/>
-            <a:ext cx="1109975" cy="1109975"/>
-          </a:xfrm>
-          <a:prstGeom prst="rect">
-            <a:avLst/>
-          </a:prstGeom>
-        </p:spPr>
-      </p:pic>
-      <p:pic>
-        <p:nvPicPr>
-          <p:cNvPr id="4" name="Imagen 3" descr="Icono&#10;&#10;Descripción generada automáticamente">
-            <a:extLst>
-              <a:ext uri="{FF2B5EF4-FFF2-40B4-BE49-F238E27FC236}">
-                <a16:creationId xmlns:a16="http://schemas.microsoft.com/office/drawing/2014/main" id="{FDC8522A-80F4-0E8A-C7AD-C92A4652489B}"/>
-              </a:ext>
-            </a:extLst>
-          </p:cNvPr>
-          <p:cNvPicPr>
-            <a:picLocks noChangeAspect="1"/>
-          </p:cNvPicPr>
-          <p:nvPr/>
-        </p:nvPicPr>
-        <p:blipFill>
-          <a:blip r:embed="rId5" cstate="print">
-            <a:extLst>
-              <a:ext uri="{28A0092B-C50C-407E-A947-70E740481C1C}">
-                <a14:useLocalDpi xmlns:a14="http://schemas.microsoft.com/office/drawing/2010/main" val="0"/>
-              </a:ext>
-            </a:extLst>
-          </a:blip>
-          <a:stretch>
-            <a:fillRect/>
-          </a:stretch>
-        </p:blipFill>
-        <p:spPr>
-          <a:xfrm>
-            <a:off x="3784569" y="2055443"/>
-            <a:ext cx="1087267" cy="1087267"/>
-          </a:xfrm>
-          <a:prstGeom prst="rect">
-            <a:avLst/>
-          </a:prstGeom>
-        </p:spPr>
-      </p:pic>
-      <p:pic>
-        <p:nvPicPr>
-          <p:cNvPr id="6" name="Imagen 5" descr="Icono&#10;&#10;Descripción generada automáticamente">
-            <a:extLst>
-              <a:ext uri="{FF2B5EF4-FFF2-40B4-BE49-F238E27FC236}">
-                <a16:creationId xmlns:a16="http://schemas.microsoft.com/office/drawing/2014/main" id="{4E2A3038-7648-FB15-DF27-50CC0A4D63DD}"/>
-              </a:ext>
-            </a:extLst>
-          </p:cNvPr>
-          <p:cNvPicPr>
-            <a:picLocks noChangeAspect="1"/>
-          </p:cNvPicPr>
-          <p:nvPr/>
-        </p:nvPicPr>
-        <p:blipFill>
-          <a:blip r:embed="rId6" cstate="print">
-            <a:extLst>
-              <a:ext uri="{28A0092B-C50C-407E-A947-70E740481C1C}">
-                <a14:useLocalDpi xmlns:a14="http://schemas.microsoft.com/office/drawing/2010/main" val="0"/>
-              </a:ext>
-            </a:extLst>
-          </a:blip>
-          <a:stretch>
-            <a:fillRect/>
-          </a:stretch>
-        </p:blipFill>
-        <p:spPr>
-          <a:xfrm>
-            <a:off x="941020" y="3834606"/>
-            <a:ext cx="1087267" cy="1087267"/>
-          </a:xfrm>
-          <a:prstGeom prst="rect">
-            <a:avLst/>
-          </a:prstGeom>
-        </p:spPr>
-      </p:pic>
-      <p:pic>
-        <p:nvPicPr>
-          <p:cNvPr id="7" name="Imagen 6" descr="Icono&#10;&#10;Descripción generada automáticamente">
-            <a:extLst>
-              <a:ext uri="{FF2B5EF4-FFF2-40B4-BE49-F238E27FC236}">
-                <a16:creationId xmlns:a16="http://schemas.microsoft.com/office/drawing/2014/main" id="{F3F10008-FC0C-12CE-6C85-251A95A855FC}"/>
-              </a:ext>
-            </a:extLst>
-          </p:cNvPr>
-          <p:cNvPicPr>
-            <a:picLocks noChangeAspect="1"/>
-          </p:cNvPicPr>
-          <p:nvPr/>
-        </p:nvPicPr>
-        <p:blipFill>
-          <a:blip r:embed="rId7" cstate="print">
-            <a:extLst>
-              <a:ext uri="{28A0092B-C50C-407E-A947-70E740481C1C}">
-                <a14:useLocalDpi xmlns:a14="http://schemas.microsoft.com/office/drawing/2010/main" val="0"/>
-              </a:ext>
-            </a:extLst>
-          </a:blip>
-          <a:stretch>
-            <a:fillRect/>
-          </a:stretch>
-        </p:blipFill>
-        <p:spPr>
-          <a:xfrm>
-            <a:off x="3784569" y="3984476"/>
-            <a:ext cx="1087267" cy="1087267"/>
-          </a:xfrm>
-          <a:prstGeom prst="rect">
-            <a:avLst/>
-          </a:prstGeom>
-        </p:spPr>
-      </p:pic>
-      <p:sp>
-        <p:nvSpPr>
-          <p:cNvPr id="8" name="CuadroTexto 7">
-            <a:extLst>
-              <a:ext uri="{FF2B5EF4-FFF2-40B4-BE49-F238E27FC236}">
-                <a16:creationId xmlns:a16="http://schemas.microsoft.com/office/drawing/2014/main" id="{58001B65-5075-F8FB-A133-7C865F244C6A}"/>
+                <a16:creationId xmlns:a16="http://schemas.microsoft.com/office/drawing/2014/main" id="{A6C42433-61B6-80B1-14EE-84E05968E36D}"/>
               </a:ext>
             </a:extLst>
           </p:cNvPr>
@@ -17543,8 +16500,8 @@
         </p:nvSpPr>
         <p:spPr>
           <a:xfrm>
-            <a:off x="193232" y="1585636"/>
-            <a:ext cx="2605549" cy="461665"/>
+            <a:off x="746983" y="2507002"/>
+            <a:ext cx="9243684" cy="1138773"/>
           </a:xfrm>
           <a:prstGeom prst="rect">
             <a:avLst/>
@@ -17558,122 +16515,23 @@
           <a:lstStyle/>
           <a:p>
             <a:r>
-              <a:rPr lang="es-CO" sz="2400" dirty="0">
-                <a:latin typeface="Trebuchet MS" panose="020B0603020202020204" pitchFamily="34" charset="0"/>
+              <a:rPr lang="es-MX" sz="1800" kern="100" dirty="0">
+                <a:effectLst/>
+                <a:latin typeface="Times New Roman" panose="02020603050405020304" pitchFamily="18" charset="0"/>
+                <a:ea typeface="Times New Roman" panose="02020603050405020304" pitchFamily="18" charset="0"/>
+                <a:cs typeface="Times New Roman" panose="02020603050405020304" pitchFamily="18" charset="0"/>
               </a:rPr>
-              <a:t>Falta de empleo</a:t>
+              <a:t>El desempleo y la informalidad en Cartagena son una fuerte problemática que afecta a muchos sectores de la cuidad y es importante tratar esta problemática porque estamos hablando de la economía de cientos de familias Cartageneras. </a:t>
             </a:r>
+            <a:endParaRPr lang="es-CO" sz="1800" dirty="0">
+              <a:effectLst/>
+              <a:latin typeface="Calibri" panose="020F0502020204030204" pitchFamily="34" charset="0"/>
+              <a:ea typeface="Calibri" panose="020F0502020204030204" pitchFamily="34" charset="0"/>
+              <a:cs typeface="Times New Roman" panose="02020603050405020304" pitchFamily="18" charset="0"/>
+            </a:endParaRPr>
           </a:p>
-        </p:txBody>
-      </p:sp>
-      <p:sp>
-        <p:nvSpPr>
-          <p:cNvPr id="10" name="CuadroTexto 9">
-            <a:extLst>
-              <a:ext uri="{FF2B5EF4-FFF2-40B4-BE49-F238E27FC236}">
-                <a16:creationId xmlns:a16="http://schemas.microsoft.com/office/drawing/2014/main" id="{398761D5-CC48-4D5A-24AC-1B8A7ED03575}"/>
-              </a:ext>
-            </a:extLst>
-          </p:cNvPr>
-          <p:cNvSpPr txBox="1"/>
-          <p:nvPr/>
-        </p:nvSpPr>
-        <p:spPr>
-          <a:xfrm>
-            <a:off x="2779116" y="1593778"/>
-            <a:ext cx="3611346" cy="461665"/>
-          </a:xfrm>
-          <a:prstGeom prst="rect">
-            <a:avLst/>
-          </a:prstGeom>
-          <a:noFill/>
-        </p:spPr>
-        <p:txBody>
-          <a:bodyPr wrap="square" rtlCol="0">
-            <a:spAutoFit/>
-          </a:bodyPr>
-          <a:lstStyle/>
           <a:p>
-            <a:r>
-              <a:rPr lang="es-CO" sz="2400" dirty="0">
-                <a:latin typeface="Trebuchet MS" panose="020B0603020202020204" pitchFamily="34" charset="0"/>
-              </a:rPr>
-              <a:t>Condiciones no optimas</a:t>
-            </a:r>
-          </a:p>
-        </p:txBody>
-      </p:sp>
-      <p:sp>
-        <p:nvSpPr>
-          <p:cNvPr id="11" name="CuadroTexto 10">
-            <a:extLst>
-              <a:ext uri="{FF2B5EF4-FFF2-40B4-BE49-F238E27FC236}">
-                <a16:creationId xmlns:a16="http://schemas.microsoft.com/office/drawing/2014/main" id="{61F152B0-4642-BF76-8438-95902B211103}"/>
-              </a:ext>
-            </a:extLst>
-          </p:cNvPr>
-          <p:cNvSpPr txBox="1"/>
-          <p:nvPr/>
-        </p:nvSpPr>
-        <p:spPr>
-          <a:xfrm>
-            <a:off x="193232" y="3290973"/>
-            <a:ext cx="2959510" cy="461665"/>
-          </a:xfrm>
-          <a:prstGeom prst="rect">
-            <a:avLst/>
-          </a:prstGeom>
-          <a:noFill/>
-        </p:spPr>
-        <p:txBody>
-          <a:bodyPr wrap="square" rtlCol="0">
-            <a:spAutoFit/>
-          </a:bodyPr>
-          <a:lstStyle/>
-          <a:p>
-            <a:r>
-              <a:rPr lang="es-CO" sz="2400" dirty="0">
-                <a:latin typeface="Trebuchet MS" panose="020B0603020202020204" pitchFamily="34" charset="0"/>
-              </a:rPr>
-              <a:t>Taza de desempleo</a:t>
-            </a:r>
-          </a:p>
-        </p:txBody>
-      </p:sp>
-      <p:sp>
-        <p:nvSpPr>
-          <p:cNvPr id="12" name="CuadroTexto 11">
-            <a:extLst>
-              <a:ext uri="{FF2B5EF4-FFF2-40B4-BE49-F238E27FC236}">
-                <a16:creationId xmlns:a16="http://schemas.microsoft.com/office/drawing/2014/main" id="{C1FA9623-E610-8D8D-374E-399A63F7A558}"/>
-              </a:ext>
-            </a:extLst>
-          </p:cNvPr>
-          <p:cNvSpPr txBox="1"/>
-          <p:nvPr/>
-        </p:nvSpPr>
-        <p:spPr>
-          <a:xfrm>
-            <a:off x="3784913" y="3332760"/>
-            <a:ext cx="1086923" cy="461665"/>
-          </a:xfrm>
-          <a:prstGeom prst="rect">
-            <a:avLst/>
-          </a:prstGeom>
-          <a:noFill/>
-        </p:spPr>
-        <p:txBody>
-          <a:bodyPr wrap="square" rtlCol="0">
-            <a:spAutoFit/>
-          </a:bodyPr>
-          <a:lstStyle/>
-          <a:p>
-            <a:r>
-              <a:rPr lang="es-CO" sz="2400" dirty="0">
-                <a:latin typeface="Trebuchet MS" panose="020B0603020202020204" pitchFamily="34" charset="0"/>
-              </a:rPr>
-              <a:t>Ayuda</a:t>
-            </a:r>
+            <a:endParaRPr lang="es-CO" dirty="0"/>
           </a:p>
         </p:txBody>
       </p:sp>
@@ -17690,362 +16548,10 @@
   <p:transition spd="slow">
     <p:push dir="u"/>
   </p:transition>
-  <p:timing>
-    <p:tnLst>
-      <p:par>
-        <p:cTn id="1" dur="indefinite" restart="never" nodeType="tmRoot">
-          <p:childTnLst>
-            <p:seq concurrent="1" nextAc="seek">
-              <p:cTn id="2" dur="indefinite" nodeType="mainSeq">
-                <p:childTnLst>
-                  <p:par>
-                    <p:cTn id="3" fill="hold">
-                      <p:stCondLst>
-                        <p:cond delay="indefinite"/>
-                      </p:stCondLst>
-                      <p:childTnLst>
-                        <p:par>
-                          <p:cTn id="4" fill="hold">
-                            <p:stCondLst>
-                              <p:cond delay="0"/>
-                            </p:stCondLst>
-                            <p:childTnLst>
-                              <p:par>
-                                <p:cTn id="5" presetID="21" presetClass="entr" presetSubtype="1" fill="hold" nodeType="clickEffect">
-                                  <p:stCondLst>
-                                    <p:cond delay="0"/>
-                                  </p:stCondLst>
-                                  <p:childTnLst>
-                                    <p:set>
-                                      <p:cBhvr>
-                                        <p:cTn id="6" dur="1" fill="hold">
-                                          <p:stCondLst>
-                                            <p:cond delay="0"/>
-                                          </p:stCondLst>
-                                        </p:cTn>
-                                        <p:tgtEl>
-                                          <p:spTgt spid="3"/>
-                                        </p:tgtEl>
-                                        <p:attrNameLst>
-                                          <p:attrName>style.visibility</p:attrName>
-                                        </p:attrNameLst>
-                                      </p:cBhvr>
-                                      <p:to>
-                                        <p:strVal val="visible"/>
-                                      </p:to>
-                                    </p:set>
-                                    <p:animEffect transition="in" filter="wheel(1)">
-                                      <p:cBhvr>
-                                        <p:cTn id="7" dur="2000"/>
-                                        <p:tgtEl>
-                                          <p:spTgt spid="3"/>
-                                        </p:tgtEl>
-                                      </p:cBhvr>
-                                    </p:animEffect>
-                                  </p:childTnLst>
-                                </p:cTn>
-                              </p:par>
-                              <p:par>
-                                <p:cTn id="8" presetID="21" presetClass="entr" presetSubtype="1" fill="hold" nodeType="withEffect">
-                                  <p:stCondLst>
-                                    <p:cond delay="0"/>
-                                  </p:stCondLst>
-                                  <p:childTnLst>
-                                    <p:set>
-                                      <p:cBhvr>
-                                        <p:cTn id="9" dur="1" fill="hold">
-                                          <p:stCondLst>
-                                            <p:cond delay="0"/>
-                                          </p:stCondLst>
-                                        </p:cTn>
-                                        <p:tgtEl>
-                                          <p:spTgt spid="4"/>
-                                        </p:tgtEl>
-                                        <p:attrNameLst>
-                                          <p:attrName>style.visibility</p:attrName>
-                                        </p:attrNameLst>
-                                      </p:cBhvr>
-                                      <p:to>
-                                        <p:strVal val="visible"/>
-                                      </p:to>
-                                    </p:set>
-                                    <p:animEffect transition="in" filter="wheel(1)">
-                                      <p:cBhvr>
-                                        <p:cTn id="10" dur="2000"/>
-                                        <p:tgtEl>
-                                          <p:spTgt spid="4"/>
-                                        </p:tgtEl>
-                                      </p:cBhvr>
-                                    </p:animEffect>
-                                  </p:childTnLst>
-                                </p:cTn>
-                              </p:par>
-                              <p:par>
-                                <p:cTn id="11" presetID="21" presetClass="entr" presetSubtype="1" fill="hold" nodeType="withEffect">
-                                  <p:stCondLst>
-                                    <p:cond delay="0"/>
-                                  </p:stCondLst>
-                                  <p:childTnLst>
-                                    <p:set>
-                                      <p:cBhvr>
-                                        <p:cTn id="12" dur="1" fill="hold">
-                                          <p:stCondLst>
-                                            <p:cond delay="0"/>
-                                          </p:stCondLst>
-                                        </p:cTn>
-                                        <p:tgtEl>
-                                          <p:spTgt spid="6"/>
-                                        </p:tgtEl>
-                                        <p:attrNameLst>
-                                          <p:attrName>style.visibility</p:attrName>
-                                        </p:attrNameLst>
-                                      </p:cBhvr>
-                                      <p:to>
-                                        <p:strVal val="visible"/>
-                                      </p:to>
-                                    </p:set>
-                                    <p:animEffect transition="in" filter="wheel(1)">
-                                      <p:cBhvr>
-                                        <p:cTn id="13" dur="2000"/>
-                                        <p:tgtEl>
-                                          <p:spTgt spid="6"/>
-                                        </p:tgtEl>
-                                      </p:cBhvr>
-                                    </p:animEffect>
-                                  </p:childTnLst>
-                                </p:cTn>
-                              </p:par>
-                              <p:par>
-                                <p:cTn id="14" presetID="21" presetClass="entr" presetSubtype="1" fill="hold" nodeType="withEffect">
-                                  <p:stCondLst>
-                                    <p:cond delay="0"/>
-                                  </p:stCondLst>
-                                  <p:childTnLst>
-                                    <p:set>
-                                      <p:cBhvr>
-                                        <p:cTn id="15" dur="1" fill="hold">
-                                          <p:stCondLst>
-                                            <p:cond delay="0"/>
-                                          </p:stCondLst>
-                                        </p:cTn>
-                                        <p:tgtEl>
-                                          <p:spTgt spid="7"/>
-                                        </p:tgtEl>
-                                        <p:attrNameLst>
-                                          <p:attrName>style.visibility</p:attrName>
-                                        </p:attrNameLst>
-                                      </p:cBhvr>
-                                      <p:to>
-                                        <p:strVal val="visible"/>
-                                      </p:to>
-                                    </p:set>
-                                    <p:animEffect transition="in" filter="wheel(1)">
-                                      <p:cBhvr>
-                                        <p:cTn id="16" dur="2000"/>
-                                        <p:tgtEl>
-                                          <p:spTgt spid="7"/>
-                                        </p:tgtEl>
-                                      </p:cBhvr>
-                                    </p:animEffect>
-                                  </p:childTnLst>
-                                </p:cTn>
-                              </p:par>
-                            </p:childTnLst>
-                          </p:cTn>
-                        </p:par>
-                      </p:childTnLst>
-                    </p:cTn>
-                  </p:par>
-                  <p:par>
-                    <p:cTn id="17" fill="hold">
-                      <p:stCondLst>
-                        <p:cond delay="indefinite"/>
-                      </p:stCondLst>
-                      <p:childTnLst>
-                        <p:par>
-                          <p:cTn id="18" fill="hold">
-                            <p:stCondLst>
-                              <p:cond delay="0"/>
-                            </p:stCondLst>
-                            <p:childTnLst>
-                              <p:par>
-                                <p:cTn id="19" presetID="21" presetClass="entr" presetSubtype="1" fill="hold" grpId="0" nodeType="clickEffect">
-                                  <p:stCondLst>
-                                    <p:cond delay="0"/>
-                                  </p:stCondLst>
-                                  <p:childTnLst>
-                                    <p:set>
-                                      <p:cBhvr>
-                                        <p:cTn id="20" dur="1" fill="hold">
-                                          <p:stCondLst>
-                                            <p:cond delay="0"/>
-                                          </p:stCondLst>
-                                        </p:cTn>
-                                        <p:tgtEl>
-                                          <p:spTgt spid="8"/>
-                                        </p:tgtEl>
-                                        <p:attrNameLst>
-                                          <p:attrName>style.visibility</p:attrName>
-                                        </p:attrNameLst>
-                                      </p:cBhvr>
-                                      <p:to>
-                                        <p:strVal val="visible"/>
-                                      </p:to>
-                                    </p:set>
-                                    <p:animEffect transition="in" filter="wheel(1)">
-                                      <p:cBhvr>
-                                        <p:cTn id="21" dur="2000"/>
-                                        <p:tgtEl>
-                                          <p:spTgt spid="8"/>
-                                        </p:tgtEl>
-                                      </p:cBhvr>
-                                    </p:animEffect>
-                                  </p:childTnLst>
-                                </p:cTn>
-                              </p:par>
-                              <p:par>
-                                <p:cTn id="22" presetID="21" presetClass="entr" presetSubtype="1" fill="hold" grpId="0" nodeType="withEffect">
-                                  <p:stCondLst>
-                                    <p:cond delay="0"/>
-                                  </p:stCondLst>
-                                  <p:childTnLst>
-                                    <p:set>
-                                      <p:cBhvr>
-                                        <p:cTn id="23" dur="1" fill="hold">
-                                          <p:stCondLst>
-                                            <p:cond delay="0"/>
-                                          </p:stCondLst>
-                                        </p:cTn>
-                                        <p:tgtEl>
-                                          <p:spTgt spid="10"/>
-                                        </p:tgtEl>
-                                        <p:attrNameLst>
-                                          <p:attrName>style.visibility</p:attrName>
-                                        </p:attrNameLst>
-                                      </p:cBhvr>
-                                      <p:to>
-                                        <p:strVal val="visible"/>
-                                      </p:to>
-                                    </p:set>
-                                    <p:animEffect transition="in" filter="wheel(1)">
-                                      <p:cBhvr>
-                                        <p:cTn id="24" dur="2000"/>
-                                        <p:tgtEl>
-                                          <p:spTgt spid="10"/>
-                                        </p:tgtEl>
-                                      </p:cBhvr>
-                                    </p:animEffect>
-                                  </p:childTnLst>
-                                </p:cTn>
-                              </p:par>
-                              <p:par>
-                                <p:cTn id="25" presetID="21" presetClass="entr" presetSubtype="1" fill="hold" grpId="0" nodeType="withEffect">
-                                  <p:stCondLst>
-                                    <p:cond delay="0"/>
-                                  </p:stCondLst>
-                                  <p:childTnLst>
-                                    <p:set>
-                                      <p:cBhvr>
-                                        <p:cTn id="26" dur="1" fill="hold">
-                                          <p:stCondLst>
-                                            <p:cond delay="0"/>
-                                          </p:stCondLst>
-                                        </p:cTn>
-                                        <p:tgtEl>
-                                          <p:spTgt spid="11"/>
-                                        </p:tgtEl>
-                                        <p:attrNameLst>
-                                          <p:attrName>style.visibility</p:attrName>
-                                        </p:attrNameLst>
-                                      </p:cBhvr>
-                                      <p:to>
-                                        <p:strVal val="visible"/>
-                                      </p:to>
-                                    </p:set>
-                                    <p:animEffect transition="in" filter="wheel(1)">
-                                      <p:cBhvr>
-                                        <p:cTn id="27" dur="2000"/>
-                                        <p:tgtEl>
-                                          <p:spTgt spid="11"/>
-                                        </p:tgtEl>
-                                      </p:cBhvr>
-                                    </p:animEffect>
-                                  </p:childTnLst>
-                                </p:cTn>
-                              </p:par>
-                              <p:par>
-                                <p:cTn id="28" presetID="21" presetClass="entr" presetSubtype="1" fill="hold" grpId="0" nodeType="withEffect">
-                                  <p:stCondLst>
-                                    <p:cond delay="0"/>
-                                  </p:stCondLst>
-                                  <p:childTnLst>
-                                    <p:set>
-                                      <p:cBhvr>
-                                        <p:cTn id="29" dur="1" fill="hold">
-                                          <p:stCondLst>
-                                            <p:cond delay="0"/>
-                                          </p:stCondLst>
-                                        </p:cTn>
-                                        <p:tgtEl>
-                                          <p:spTgt spid="12"/>
-                                        </p:tgtEl>
-                                        <p:attrNameLst>
-                                          <p:attrName>style.visibility</p:attrName>
-                                        </p:attrNameLst>
-                                      </p:cBhvr>
-                                      <p:to>
-                                        <p:strVal val="visible"/>
-                                      </p:to>
-                                    </p:set>
-                                    <p:animEffect transition="in" filter="wheel(1)">
-                                      <p:cBhvr>
-                                        <p:cTn id="30" dur="2000"/>
-                                        <p:tgtEl>
-                                          <p:spTgt spid="12"/>
-                                        </p:tgtEl>
-                                      </p:cBhvr>
-                                    </p:animEffect>
-                                  </p:childTnLst>
-                                </p:cTn>
-                              </p:par>
-                            </p:childTnLst>
-                          </p:cTn>
-                        </p:par>
-                      </p:childTnLst>
-                    </p:cTn>
-                  </p:par>
-                </p:childTnLst>
-              </p:cTn>
-              <p:prevCondLst>
-                <p:cond evt="onPrev" delay="0">
-                  <p:tgtEl>
-                    <p:sldTgt/>
-                  </p:tgtEl>
-                </p:cond>
-              </p:prevCondLst>
-              <p:nextCondLst>
-                <p:cond evt="onNext" delay="0">
-                  <p:tgtEl>
-                    <p:sldTgt/>
-                  </p:tgtEl>
-                </p:cond>
-              </p:nextCondLst>
-            </p:seq>
-          </p:childTnLst>
-        </p:cTn>
-      </p:par>
-    </p:tnLst>
-    <p:bldLst>
-      <p:bldP spid="8" grpId="0"/>
-      <p:bldP spid="10" grpId="0"/>
-      <p:bldP spid="11" grpId="0"/>
-      <p:bldP spid="12" grpId="0"/>
-    </p:bldLst>
-  </p:timing>
 </p:sld>
 </file>
 
-<file path=ppt/slides/slide4.xml><?xml version="1.0" encoding="utf-8"?>
+<file path=ppt/slides/slide5.xml><?xml version="1.0" encoding="utf-8"?>
 <p:sld xmlns:a="http://schemas.openxmlformats.org/drawingml/2006/main" xmlns:r="http://schemas.openxmlformats.org/officeDocument/2006/relationships" xmlns:p="http://schemas.openxmlformats.org/presentationml/2006/main">
   <p:cSld>
     <p:bg>
@@ -18190,6 +16696,9 @@
                     <p:cTn id="3" fill="hold">
                       <p:stCondLst>
                         <p:cond delay="indefinite"/>
+                        <p:cond evt="onBegin" delay="0">
+                          <p:tn val="2"/>
+                        </p:cond>
                       </p:stCondLst>
                       <p:childTnLst>
                         <p:par>
@@ -18199,7 +16708,7 @@
                             </p:stCondLst>
                             <p:childTnLst>
                               <p:par>
-                                <p:cTn id="5" presetID="42" presetClass="entr" presetSubtype="0" fill="hold" grpId="0" nodeType="clickEffect">
+                                <p:cTn id="5" presetID="42" presetClass="entr" presetSubtype="0" fill="hold" grpId="0" nodeType="withEffect">
                                   <p:stCondLst>
                                     <p:cond delay="0"/>
                                   </p:stCondLst>
@@ -18313,7 +16822,574 @@
 </p:sld>
 </file>
 
-<file path=ppt/slides/slide5.xml><?xml version="1.0" encoding="utf-8"?>
+<file path=ppt/slides/slide6.xml><?xml version="1.0" encoding="utf-8"?>
+<p:sld xmlns:a="http://schemas.openxmlformats.org/drawingml/2006/main" xmlns:r="http://schemas.openxmlformats.org/officeDocument/2006/relationships" xmlns:p="http://schemas.openxmlformats.org/presentationml/2006/main">
+  <p:cSld>
+    <p:bg>
+      <p:bgPr>
+        <a:blipFill>
+          <a:blip r:embed="rId3">
+            <a:alphaModFix/>
+          </a:blip>
+          <a:stretch>
+            <a:fillRect/>
+          </a:stretch>
+        </a:blipFill>
+        <a:effectLst/>
+      </p:bgPr>
+    </p:bg>
+    <p:spTree>
+      <p:nvGrpSpPr>
+        <p:cNvPr id="1" name="Shape 94">
+          <a:extLst>
+            <a:ext uri="{FF2B5EF4-FFF2-40B4-BE49-F238E27FC236}">
+              <a16:creationId xmlns:a16="http://schemas.microsoft.com/office/drawing/2014/main" id="{745539FB-EFEF-B302-5BCB-F892A3DFCF80}"/>
+            </a:ext>
+          </a:extLst>
+        </p:cNvPr>
+        <p:cNvGrpSpPr/>
+        <p:nvPr/>
+      </p:nvGrpSpPr>
+      <p:grpSpPr>
+        <a:xfrm>
+          <a:off x="0" y="0"/>
+          <a:ext cx="0" cy="0"/>
+          <a:chOff x="0" y="0"/>
+          <a:chExt cx="0" cy="0"/>
+        </a:xfrm>
+      </p:grpSpPr>
+      <p:sp>
+        <p:nvSpPr>
+          <p:cNvPr id="95" name="Google Shape;95;p2">
+            <a:extLst>
+              <a:ext uri="{FF2B5EF4-FFF2-40B4-BE49-F238E27FC236}">
+                <a16:creationId xmlns:a16="http://schemas.microsoft.com/office/drawing/2014/main" id="{F474FAF5-FBB1-9743-21ED-7F39470C37BA}"/>
+              </a:ext>
+            </a:extLst>
+          </p:cNvPr>
+          <p:cNvSpPr txBox="1">
+            <a:spLocks noGrp="1"/>
+          </p:cNvSpPr>
+          <p:nvPr>
+            <p:ph type="ctrTitle"/>
+          </p:nvPr>
+        </p:nvSpPr>
+        <p:spPr>
+          <a:xfrm>
+            <a:off x="862579" y="513128"/>
+            <a:ext cx="6774366" cy="849723"/>
+          </a:xfrm>
+          <a:prstGeom prst="rect">
+            <a:avLst/>
+          </a:prstGeom>
+          <a:noFill/>
+          <a:ln>
+            <a:noFill/>
+          </a:ln>
+        </p:spPr>
+        <p:txBody>
+          <a:bodyPr spcFirstLastPara="1" wrap="square" lIns="91425" tIns="45700" rIns="91425" bIns="45700" anchor="b" anchorCtr="0">
+            <a:normAutofit/>
+          </a:bodyPr>
+          <a:lstStyle/>
+          <a:p>
+            <a:pPr algn="l">
+              <a:buClr>
+                <a:srgbClr val="002060"/>
+              </a:buClr>
+              <a:buSzPts val="3000"/>
+            </a:pPr>
+            <a:r>
+              <a:rPr lang="es-CO" sz="3000" b="1" dirty="0">
+                <a:solidFill>
+                  <a:srgbClr val="002060"/>
+                </a:solidFill>
+                <a:latin typeface="Helvetica Neue"/>
+                <a:sym typeface="Helvetica Neue"/>
+              </a:rPr>
+              <a:t>Objetivos específicos </a:t>
+            </a:r>
+            <a:r>
+              <a:rPr lang="es-CO" sz="3000" b="1">
+                <a:solidFill>
+                  <a:srgbClr val="002060"/>
+                </a:solidFill>
+                <a:latin typeface="Helvetica Neue"/>
+                <a:sym typeface="Helvetica Neue"/>
+              </a:rPr>
+              <a:t>/ Metodología</a:t>
+            </a:r>
+            <a:endParaRPr dirty="0"/>
+          </a:p>
+        </p:txBody>
+      </p:sp>
+      <p:graphicFrame>
+        <p:nvGraphicFramePr>
+          <p:cNvPr id="4" name="Tabla 3">
+            <a:extLst>
+              <a:ext uri="{FF2B5EF4-FFF2-40B4-BE49-F238E27FC236}">
+                <a16:creationId xmlns:a16="http://schemas.microsoft.com/office/drawing/2014/main" id="{464DD43A-D381-E1F6-A5DB-E214BF9A6D70}"/>
+              </a:ext>
+            </a:extLst>
+          </p:cNvPr>
+          <p:cNvGraphicFramePr>
+            <a:graphicFrameLocks noGrp="1"/>
+          </p:cNvGraphicFramePr>
+          <p:nvPr>
+            <p:extLst>
+              <p:ext uri="{D42A27DB-BD31-4B8C-83A1-F6EECF244321}">
+                <p14:modId xmlns:p14="http://schemas.microsoft.com/office/powerpoint/2010/main" val="2448213237"/>
+              </p:ext>
+            </p:extLst>
+          </p:nvPr>
+        </p:nvGraphicFramePr>
+        <p:xfrm>
+          <a:off x="524934" y="2494279"/>
+          <a:ext cx="11142132" cy="3207457"/>
+        </p:xfrm>
+        <a:graphic>
+          <a:graphicData uri="http://schemas.openxmlformats.org/drawingml/2006/table">
+            <a:tbl>
+              <a:tblPr firstRow="1" bandRow="1">
+                <a:tableStyleId>{5C22544A-7EE6-4342-B048-85BDC9FD1C3A}</a:tableStyleId>
+              </a:tblPr>
+              <a:tblGrid>
+                <a:gridCol w="3714044">
+                  <a:extLst>
+                    <a:ext uri="{9D8B030D-6E8A-4147-A177-3AD203B41FA5}">
+                      <a16:colId xmlns:a16="http://schemas.microsoft.com/office/drawing/2014/main" val="191645898"/>
+                    </a:ext>
+                  </a:extLst>
+                </a:gridCol>
+                <a:gridCol w="3714044">
+                  <a:extLst>
+                    <a:ext uri="{9D8B030D-6E8A-4147-A177-3AD203B41FA5}">
+                      <a16:colId xmlns:a16="http://schemas.microsoft.com/office/drawing/2014/main" val="4218983788"/>
+                    </a:ext>
+                  </a:extLst>
+                </a:gridCol>
+                <a:gridCol w="3714044">
+                  <a:extLst>
+                    <a:ext uri="{9D8B030D-6E8A-4147-A177-3AD203B41FA5}">
+                      <a16:colId xmlns:a16="http://schemas.microsoft.com/office/drawing/2014/main" val="1015596166"/>
+                    </a:ext>
+                  </a:extLst>
+                </a:gridCol>
+              </a:tblGrid>
+              <a:tr h="308188">
+                <a:tc>
+                  <a:txBody>
+                    <a:bodyPr/>
+                    <a:lstStyle/>
+                    <a:p>
+                      <a:pPr algn="ctr"/>
+                      <a:r>
+                        <a:rPr lang="es-CO" dirty="0"/>
+                        <a:t>Objetivo</a:t>
+                      </a:r>
+                    </a:p>
+                  </a:txBody>
+                  <a:tcPr/>
+                </a:tc>
+                <a:tc>
+                  <a:txBody>
+                    <a:bodyPr/>
+                    <a:lstStyle/>
+                    <a:p>
+                      <a:pPr algn="ctr"/>
+                      <a:r>
+                        <a:rPr lang="es-CO" dirty="0"/>
+                        <a:t>Actividad</a:t>
+                      </a:r>
+                    </a:p>
+                  </a:txBody>
+                  <a:tcPr/>
+                </a:tc>
+                <a:tc>
+                  <a:txBody>
+                    <a:bodyPr/>
+                    <a:lstStyle/>
+                    <a:p>
+                      <a:pPr algn="ctr"/>
+                      <a:r>
+                        <a:rPr lang="es-CO" dirty="0"/>
+                        <a:t>Resultado</a:t>
+                      </a:r>
+                    </a:p>
+                  </a:txBody>
+                  <a:tcPr/>
+                </a:tc>
+                <a:extLst>
+                  <a:ext uri="{0D108BD9-81ED-4DB2-BD59-A6C34878D82A}">
+                    <a16:rowId xmlns:a16="http://schemas.microsoft.com/office/drawing/2014/main" val="2926188788"/>
+                  </a:ext>
+                </a:extLst>
+              </a:tr>
+              <a:tr h="704709">
+                <a:tc>
+                  <a:txBody>
+                    <a:bodyPr/>
+                    <a:lstStyle/>
+                    <a:p>
+                      <a:r>
+                        <a:rPr lang="es-CO" dirty="0"/>
+                        <a:t>Obj1: </a:t>
+                      </a:r>
+                      <a:r>
+                        <a:rPr lang="es-MX" sz="1400" b="0" i="0" u="none" strike="noStrike" cap="none" dirty="0">
+                          <a:solidFill>
+                            <a:schemeClr val="dk1"/>
+                          </a:solidFill>
+                          <a:effectLst/>
+                          <a:latin typeface="+mn-lt"/>
+                          <a:ea typeface="+mn-ea"/>
+                          <a:cs typeface="+mn-cs"/>
+                          <a:sym typeface="Arial"/>
+                        </a:rPr>
+                        <a:t>Analizar los requerimientos funcionales y no funcionales del software</a:t>
+                      </a:r>
+                      <a:endParaRPr lang="es-CO" dirty="0"/>
+                    </a:p>
+                  </a:txBody>
+                  <a:tcPr/>
+                </a:tc>
+                <a:tc>
+                  <a:txBody>
+                    <a:bodyPr/>
+                    <a:lstStyle/>
+                    <a:p>
+                      <a:r>
+                        <a:rPr lang="es-ES" sz="1400" b="0" i="0" u="none" strike="noStrike" cap="none" dirty="0">
+                          <a:solidFill>
+                            <a:schemeClr val="dk1"/>
+                          </a:solidFill>
+                          <a:effectLst/>
+                          <a:latin typeface="+mn-lt"/>
+                          <a:ea typeface="+mn-ea"/>
+                          <a:cs typeface="+mn-cs"/>
+                          <a:sym typeface="Arial"/>
+                        </a:rPr>
+                        <a:t>Se analizaron las posibles características que podría tener el software.</a:t>
+                      </a:r>
+                      <a:endParaRPr lang="es-CO" dirty="0"/>
+                    </a:p>
+                  </a:txBody>
+                  <a:tcPr/>
+                </a:tc>
+                <a:tc>
+                  <a:txBody>
+                    <a:bodyPr/>
+                    <a:lstStyle/>
+                    <a:p>
+                      <a:r>
+                        <a:rPr lang="es-ES" sz="1400" b="0" i="0" u="none" strike="noStrike" cap="none" dirty="0">
+                          <a:solidFill>
+                            <a:schemeClr val="dk1"/>
+                          </a:solidFill>
+                          <a:effectLst/>
+                          <a:latin typeface="+mn-lt"/>
+                          <a:ea typeface="+mn-ea"/>
+                          <a:cs typeface="+mn-cs"/>
+                          <a:sym typeface="Arial"/>
+                        </a:rPr>
+                        <a:t>Un documento con los requisitos funcionales y no funcionales del prototipo </a:t>
+                      </a:r>
+                      <a:endParaRPr lang="es-CO" dirty="0"/>
+                    </a:p>
+                  </a:txBody>
+                  <a:tcPr/>
+                </a:tc>
+                <a:extLst>
+                  <a:ext uri="{0D108BD9-81ED-4DB2-BD59-A6C34878D82A}">
+                    <a16:rowId xmlns:a16="http://schemas.microsoft.com/office/drawing/2014/main" val="2209719689"/>
+                  </a:ext>
+                </a:extLst>
+              </a:tr>
+              <a:tr h="704709">
+                <a:tc>
+                  <a:txBody>
+                    <a:bodyPr/>
+                    <a:lstStyle/>
+                    <a:p>
+                      <a:pPr marL="0" marR="0" lvl="0" indent="0" algn="l" defTabSz="914400" rtl="0" eaLnBrk="1" fontAlgn="auto" latinLnBrk="0" hangingPunct="1">
+                        <a:lnSpc>
+                          <a:spcPct val="100000"/>
+                        </a:lnSpc>
+                        <a:spcBef>
+                          <a:spcPts val="0"/>
+                        </a:spcBef>
+                        <a:spcAft>
+                          <a:spcPts val="0"/>
+                        </a:spcAft>
+                        <a:buClr>
+                          <a:srgbClr val="000000"/>
+                        </a:buClr>
+                        <a:buSzTx/>
+                        <a:buFont typeface="Arial"/>
+                        <a:buNone/>
+                        <a:tabLst/>
+                        <a:defRPr/>
+                      </a:pPr>
+                      <a:r>
+                        <a:rPr lang="es-CO" dirty="0"/>
+                        <a:t>Obj2: </a:t>
+                      </a:r>
+                      <a:r>
+                        <a:rPr lang="es-MX" sz="1400" b="0" i="0" u="none" strike="noStrike" cap="none" dirty="0">
+                          <a:solidFill>
+                            <a:schemeClr val="dk1"/>
+                          </a:solidFill>
+                          <a:effectLst/>
+                          <a:latin typeface="+mn-lt"/>
+                          <a:ea typeface="+mn-ea"/>
+                          <a:cs typeface="+mn-cs"/>
+                          <a:sym typeface="Arial"/>
+                        </a:rPr>
+                        <a:t>Diseñar una solución en Java para la búsqueda de empleo en la ciudad de Cartagena. </a:t>
+                      </a:r>
+                      <a:endParaRPr lang="es-CO" sz="1400" b="0" i="0" u="none" strike="noStrike" cap="none" dirty="0">
+                        <a:solidFill>
+                          <a:schemeClr val="dk1"/>
+                        </a:solidFill>
+                        <a:effectLst/>
+                        <a:latin typeface="+mn-lt"/>
+                        <a:ea typeface="+mn-ea"/>
+                        <a:cs typeface="+mn-cs"/>
+                        <a:sym typeface="Arial"/>
+                      </a:endParaRPr>
+                    </a:p>
+                  </a:txBody>
+                  <a:tcPr/>
+                </a:tc>
+                <a:tc>
+                  <a:txBody>
+                    <a:bodyPr/>
+                    <a:lstStyle/>
+                    <a:p>
+                      <a:r>
+                        <a:rPr lang="es-CO" dirty="0"/>
+                        <a:t>Teniendo en cuenta el documento generado en el paso anterior, diseñamos la UI y la lógica del software</a:t>
+                      </a:r>
+                    </a:p>
+                  </a:txBody>
+                  <a:tcPr/>
+                </a:tc>
+                <a:tc>
+                  <a:txBody>
+                    <a:bodyPr/>
+                    <a:lstStyle/>
+                    <a:p>
+                      <a:r>
+                        <a:rPr lang="es-CO" dirty="0"/>
+                        <a:t>* Plan a seguir para desarrollar el software</a:t>
+                      </a:r>
+                    </a:p>
+                  </a:txBody>
+                  <a:tcPr/>
+                </a:tc>
+                <a:extLst>
+                  <a:ext uri="{0D108BD9-81ED-4DB2-BD59-A6C34878D82A}">
+                    <a16:rowId xmlns:a16="http://schemas.microsoft.com/office/drawing/2014/main" val="1349631088"/>
+                  </a:ext>
+                </a:extLst>
+              </a:tr>
+              <a:tr h="704709">
+                <a:tc>
+                  <a:txBody>
+                    <a:bodyPr/>
+                    <a:lstStyle/>
+                    <a:p>
+                      <a:pPr marL="0" marR="0" lvl="0" indent="0" algn="l" defTabSz="914400" rtl="0" eaLnBrk="1" fontAlgn="auto" latinLnBrk="0" hangingPunct="1">
+                        <a:lnSpc>
+                          <a:spcPct val="100000"/>
+                        </a:lnSpc>
+                        <a:spcBef>
+                          <a:spcPts val="0"/>
+                        </a:spcBef>
+                        <a:spcAft>
+                          <a:spcPts val="0"/>
+                        </a:spcAft>
+                        <a:buClr>
+                          <a:srgbClr val="000000"/>
+                        </a:buClr>
+                        <a:buSzTx/>
+                        <a:buFont typeface="Arial"/>
+                        <a:buNone/>
+                        <a:tabLst/>
+                        <a:defRPr/>
+                      </a:pPr>
+                      <a:r>
+                        <a:rPr lang="es-CO" dirty="0"/>
+                        <a:t>Obj3: </a:t>
+                      </a:r>
+                      <a:r>
+                        <a:rPr lang="es-MX" sz="1400" b="0" i="0" u="none" strike="noStrike" cap="none" dirty="0">
+                          <a:solidFill>
+                            <a:schemeClr val="dk1"/>
+                          </a:solidFill>
+                          <a:effectLst/>
+                          <a:latin typeface="+mn-lt"/>
+                          <a:ea typeface="+mn-ea"/>
+                          <a:cs typeface="+mn-cs"/>
+                          <a:sym typeface="Arial"/>
+                        </a:rPr>
+                        <a:t>Codificar la aplicación teniendo en cuenta las buenas prácticas para la escalabilidad del programa.</a:t>
+                      </a:r>
+                      <a:endParaRPr lang="es-CO" sz="1400" b="0" i="0" u="none" strike="noStrike" cap="none" dirty="0">
+                        <a:solidFill>
+                          <a:schemeClr val="dk1"/>
+                        </a:solidFill>
+                        <a:effectLst/>
+                        <a:latin typeface="+mn-lt"/>
+                        <a:ea typeface="+mn-ea"/>
+                        <a:cs typeface="+mn-cs"/>
+                        <a:sym typeface="Arial"/>
+                      </a:endParaRPr>
+                    </a:p>
+                  </a:txBody>
+                  <a:tcPr/>
+                </a:tc>
+                <a:tc>
+                  <a:txBody>
+                    <a:bodyPr/>
+                    <a:lstStyle/>
+                    <a:p>
+                      <a:r>
+                        <a:rPr lang="es-CO" dirty="0"/>
+                        <a:t>Codificación</a:t>
+                      </a:r>
+                    </a:p>
+                  </a:txBody>
+                  <a:tcPr/>
+                </a:tc>
+                <a:tc>
+                  <a:txBody>
+                    <a:bodyPr/>
+                    <a:lstStyle/>
+                    <a:p>
+                      <a:r>
+                        <a:rPr lang="es-CO" dirty="0"/>
+                        <a:t>Prototipo del software</a:t>
+                      </a:r>
+                    </a:p>
+                  </a:txBody>
+                  <a:tcPr/>
+                </a:tc>
+                <a:extLst>
+                  <a:ext uri="{0D108BD9-81ED-4DB2-BD59-A6C34878D82A}">
+                    <a16:rowId xmlns:a16="http://schemas.microsoft.com/office/drawing/2014/main" val="4137973165"/>
+                  </a:ext>
+                </a:extLst>
+              </a:tr>
+              <a:tr h="704709">
+                <a:tc>
+                  <a:txBody>
+                    <a:bodyPr/>
+                    <a:lstStyle/>
+                    <a:p>
+                      <a:pPr marL="0" marR="0" lvl="0" indent="0" algn="l" defTabSz="914400" rtl="0" eaLnBrk="1" fontAlgn="auto" latinLnBrk="0" hangingPunct="1">
+                        <a:lnSpc>
+                          <a:spcPct val="100000"/>
+                        </a:lnSpc>
+                        <a:spcBef>
+                          <a:spcPts val="0"/>
+                        </a:spcBef>
+                        <a:spcAft>
+                          <a:spcPts val="0"/>
+                        </a:spcAft>
+                        <a:buClr>
+                          <a:srgbClr val="000000"/>
+                        </a:buClr>
+                        <a:buSzTx/>
+                        <a:buFont typeface="Arial"/>
+                        <a:buNone/>
+                        <a:tabLst/>
+                        <a:defRPr/>
+                      </a:pPr>
+                      <a:r>
+                        <a:rPr lang="es-CO" dirty="0"/>
+                        <a:t>Obj4: </a:t>
+                      </a:r>
+                      <a:r>
+                        <a:rPr lang="es-MX" sz="1400" b="0" i="0" u="none" strike="noStrike" cap="none" dirty="0">
+                          <a:solidFill>
+                            <a:schemeClr val="dk1"/>
+                          </a:solidFill>
+                          <a:effectLst/>
+                          <a:latin typeface="+mn-lt"/>
+                          <a:ea typeface="+mn-ea"/>
+                          <a:cs typeface="+mn-cs"/>
+                          <a:sym typeface="Arial"/>
+                        </a:rPr>
+                        <a:t>Verificar que cada parte del software para solucionar cualquier posible error o falla.</a:t>
+                      </a:r>
+                      <a:endParaRPr lang="es-CO" sz="1400" b="0" i="0" u="none" strike="noStrike" cap="none" dirty="0">
+                        <a:solidFill>
+                          <a:schemeClr val="dk1"/>
+                        </a:solidFill>
+                        <a:effectLst/>
+                        <a:latin typeface="+mn-lt"/>
+                        <a:ea typeface="+mn-ea"/>
+                        <a:cs typeface="+mn-cs"/>
+                        <a:sym typeface="Arial"/>
+                      </a:endParaRPr>
+                    </a:p>
+                  </a:txBody>
+                  <a:tcPr/>
+                </a:tc>
+                <a:tc>
+                  <a:txBody>
+                    <a:bodyPr/>
+                    <a:lstStyle/>
+                    <a:p>
+                      <a:r>
+                        <a:rPr lang="es-CO" dirty="0"/>
+                        <a:t>Se testeó la aplicación en busca de fallas y se corrigieron</a:t>
+                      </a:r>
+                    </a:p>
+                  </a:txBody>
+                  <a:tcPr/>
+                </a:tc>
+                <a:tc>
+                  <a:txBody>
+                    <a:bodyPr/>
+                    <a:lstStyle/>
+                    <a:p>
+                      <a:r>
+                        <a:rPr lang="es-CO" dirty="0"/>
+                        <a:t>Se pulió el software</a:t>
+                      </a:r>
+                    </a:p>
+                  </a:txBody>
+                  <a:tcPr/>
+                </a:tc>
+                <a:extLst>
+                  <a:ext uri="{0D108BD9-81ED-4DB2-BD59-A6C34878D82A}">
+                    <a16:rowId xmlns:a16="http://schemas.microsoft.com/office/drawing/2014/main" val="109137917"/>
+                  </a:ext>
+                </a:extLst>
+              </a:tr>
+            </a:tbl>
+          </a:graphicData>
+        </a:graphic>
+      </p:graphicFrame>
+    </p:spTree>
+    <p:extLst>
+      <p:ext uri="{BB962C8B-B14F-4D97-AF65-F5344CB8AC3E}">
+        <p14:creationId xmlns:p14="http://schemas.microsoft.com/office/powerpoint/2010/main" val="4173519435"/>
+      </p:ext>
+    </p:extLst>
+  </p:cSld>
+  <p:clrMapOvr>
+    <a:masterClrMapping/>
+  </p:clrMapOvr>
+  <p:transition spd="slow">
+    <p:push dir="u"/>
+  </p:transition>
+</p:sld>
+</file>
+
+<file path=ppt/slides/slide7.xml><?xml version="1.0" encoding="utf-8"?>
 <p:sld xmlns:a="http://schemas.openxmlformats.org/drawingml/2006/main" xmlns:r="http://schemas.openxmlformats.org/officeDocument/2006/relationships" xmlns:p="http://schemas.openxmlformats.org/presentationml/2006/main">
   <p:cSld>
     <p:bg>
@@ -18386,7 +17462,7 @@
                 <a:latin typeface="Helvetica Neue"/>
                 <a:sym typeface="Helvetica Neue"/>
               </a:rPr>
-              <a:t>Metodología de Investigación</a:t>
+              <a:t>Resultados</a:t>
             </a:r>
             <a:endParaRPr dirty="0"/>
           </a:p>
@@ -18394,10 +17470,10 @@
       </p:sp>
       <p:pic>
         <p:nvPicPr>
-          <p:cNvPr id="6" name="Imagen 5" descr="Logotipo&#10;&#10;El contenido generado por IA puede ser incorrecto.">
+          <p:cNvPr id="5" name="Imagen 4">
             <a:extLst>
               <a:ext uri="{FF2B5EF4-FFF2-40B4-BE49-F238E27FC236}">
-                <a16:creationId xmlns:a16="http://schemas.microsoft.com/office/drawing/2014/main" id="{A5F9A6A6-FC1C-D6EB-09F6-66685E8BB710}"/>
+                <a16:creationId xmlns:a16="http://schemas.microsoft.com/office/drawing/2014/main" id="{81F7D0B6-1EDB-D620-E576-A2CD7AD77B7B}"/>
               </a:ext>
             </a:extLst>
           </p:cNvPr>
@@ -18414,534 +17490,20 @@
         </p:blipFill>
         <p:spPr>
           <a:xfrm>
-            <a:off x="2157985" y="2476906"/>
-            <a:ext cx="2325524" cy="2179199"/>
+            <a:off x="862579" y="2932465"/>
+            <a:ext cx="3022325" cy="1822803"/>
           </a:xfrm>
           <a:prstGeom prst="rect">
             <a:avLst/>
           </a:prstGeom>
         </p:spPr>
       </p:pic>
-      <p:sp>
-        <p:nvSpPr>
-          <p:cNvPr id="7" name="CuadroTexto 6">
+      <p:pic>
+        <p:nvPicPr>
+          <p:cNvPr id="3" name="Imagen 2">
             <a:extLst>
               <a:ext uri="{FF2B5EF4-FFF2-40B4-BE49-F238E27FC236}">
-                <a16:creationId xmlns:a16="http://schemas.microsoft.com/office/drawing/2014/main" id="{18A9D734-1C68-A064-12F1-0CAFC3861A25}"/>
-              </a:ext>
-            </a:extLst>
-          </p:cNvPr>
-          <p:cNvSpPr txBox="1"/>
-          <p:nvPr/>
-        </p:nvSpPr>
-        <p:spPr>
-          <a:xfrm>
-            <a:off x="1880322" y="1740231"/>
-            <a:ext cx="2989007" cy="461665"/>
-          </a:xfrm>
-          <a:prstGeom prst="rect">
-            <a:avLst/>
-          </a:prstGeom>
-          <a:noFill/>
-        </p:spPr>
-        <p:txBody>
-          <a:bodyPr wrap="square" rtlCol="0">
-            <a:spAutoFit/>
-          </a:bodyPr>
-          <a:lstStyle/>
-          <a:p>
-            <a:r>
-              <a:rPr lang="es-CO" sz="2400" dirty="0">
-                <a:latin typeface="Trebuchet MS" panose="020B0603020202020204" pitchFamily="34" charset="0"/>
-              </a:rPr>
-              <a:t>Método Cuantitativo</a:t>
-            </a:r>
-          </a:p>
-        </p:txBody>
-      </p:sp>
-    </p:spTree>
-    <p:extLst>
-      <p:ext uri="{BB962C8B-B14F-4D97-AF65-F5344CB8AC3E}">
-        <p14:creationId xmlns:p14="http://schemas.microsoft.com/office/powerpoint/2010/main" val="2560513128"/>
-      </p:ext>
-    </p:extLst>
-  </p:cSld>
-  <p:clrMapOvr>
-    <a:masterClrMapping/>
-  </p:clrMapOvr>
-  <p:transition spd="slow">
-    <p:push dir="u"/>
-  </p:transition>
-  <p:timing>
-    <p:tnLst>
-      <p:par>
-        <p:cTn id="1" dur="indefinite" restart="never" nodeType="tmRoot">
-          <p:childTnLst>
-            <p:seq concurrent="1" nextAc="seek">
-              <p:cTn id="2" dur="indefinite" nodeType="mainSeq">
-                <p:childTnLst>
-                  <p:par>
-                    <p:cTn id="3" fill="hold">
-                      <p:stCondLst>
-                        <p:cond delay="indefinite"/>
-                      </p:stCondLst>
-                      <p:childTnLst>
-                        <p:par>
-                          <p:cTn id="4" fill="hold">
-                            <p:stCondLst>
-                              <p:cond delay="0"/>
-                            </p:stCondLst>
-                            <p:childTnLst>
-                              <p:par>
-                                <p:cTn id="5" presetID="6" presetClass="entr" presetSubtype="16" fill="hold" nodeType="clickEffect">
-                                  <p:stCondLst>
-                                    <p:cond delay="0"/>
-                                  </p:stCondLst>
-                                  <p:childTnLst>
-                                    <p:set>
-                                      <p:cBhvr>
-                                        <p:cTn id="6" dur="1" fill="hold">
-                                          <p:stCondLst>
-                                            <p:cond delay="0"/>
-                                          </p:stCondLst>
-                                        </p:cTn>
-                                        <p:tgtEl>
-                                          <p:spTgt spid="6"/>
-                                        </p:tgtEl>
-                                        <p:attrNameLst>
-                                          <p:attrName>style.visibility</p:attrName>
-                                        </p:attrNameLst>
-                                      </p:cBhvr>
-                                      <p:to>
-                                        <p:strVal val="visible"/>
-                                      </p:to>
-                                    </p:set>
-                                    <p:animEffect transition="in" filter="circle(in)">
-                                      <p:cBhvr>
-                                        <p:cTn id="7" dur="2000"/>
-                                        <p:tgtEl>
-                                          <p:spTgt spid="6"/>
-                                        </p:tgtEl>
-                                      </p:cBhvr>
-                                    </p:animEffect>
-                                  </p:childTnLst>
-                                </p:cTn>
-                              </p:par>
-                            </p:childTnLst>
-                          </p:cTn>
-                        </p:par>
-                      </p:childTnLst>
-                    </p:cTn>
-                  </p:par>
-                  <p:par>
-                    <p:cTn id="8" fill="hold">
-                      <p:stCondLst>
-                        <p:cond delay="indefinite"/>
-                      </p:stCondLst>
-                      <p:childTnLst>
-                        <p:par>
-                          <p:cTn id="9" fill="hold">
-                            <p:stCondLst>
-                              <p:cond delay="0"/>
-                            </p:stCondLst>
-                            <p:childTnLst>
-                              <p:par>
-                                <p:cTn id="10" presetID="26" presetClass="entr" presetSubtype="0" fill="hold" grpId="0" nodeType="clickEffect">
-                                  <p:stCondLst>
-                                    <p:cond delay="0"/>
-                                  </p:stCondLst>
-                                  <p:childTnLst>
-                                    <p:set>
-                                      <p:cBhvr>
-                                        <p:cTn id="11" dur="1" fill="hold">
-                                          <p:stCondLst>
-                                            <p:cond delay="0"/>
-                                          </p:stCondLst>
-                                        </p:cTn>
-                                        <p:tgtEl>
-                                          <p:spTgt spid="7"/>
-                                        </p:tgtEl>
-                                        <p:attrNameLst>
-                                          <p:attrName>style.visibility</p:attrName>
-                                        </p:attrNameLst>
-                                      </p:cBhvr>
-                                      <p:to>
-                                        <p:strVal val="visible"/>
-                                      </p:to>
-                                    </p:set>
-                                    <p:animEffect transition="in" filter="wipe(down)">
-                                      <p:cBhvr>
-                                        <p:cTn id="12" dur="580">
-                                          <p:stCondLst>
-                                            <p:cond delay="0"/>
-                                          </p:stCondLst>
-                                        </p:cTn>
-                                        <p:tgtEl>
-                                          <p:spTgt spid="7"/>
-                                        </p:tgtEl>
-                                      </p:cBhvr>
-                                    </p:animEffect>
-                                    <p:anim calcmode="lin" valueType="num">
-                                      <p:cBhvr>
-                                        <p:cTn id="13" dur="1822" tmFilter="0,0; 0.14,0.36; 0.43,0.73; 0.71,0.91; 1.0,1.0">
-                                          <p:stCondLst>
-                                            <p:cond delay="0"/>
-                                          </p:stCondLst>
-                                        </p:cTn>
-                                        <p:tgtEl>
-                                          <p:spTgt spid="7"/>
-                                        </p:tgtEl>
-                                        <p:attrNameLst>
-                                          <p:attrName>ppt_x</p:attrName>
-                                        </p:attrNameLst>
-                                      </p:cBhvr>
-                                      <p:tavLst>
-                                        <p:tav tm="0">
-                                          <p:val>
-                                            <p:strVal val="#ppt_x-0.25"/>
-                                          </p:val>
-                                        </p:tav>
-                                        <p:tav tm="100000">
-                                          <p:val>
-                                            <p:strVal val="#ppt_x"/>
-                                          </p:val>
-                                        </p:tav>
-                                      </p:tavLst>
-                                    </p:anim>
-                                    <p:anim calcmode="lin" valueType="num">
-                                      <p:cBhvr>
-                                        <p:cTn id="14" dur="664" tmFilter="0.0,0.0; 0.25,0.07; 0.50,0.2; 0.75,0.467; 1.0,1.0">
-                                          <p:stCondLst>
-                                            <p:cond delay="0"/>
-                                          </p:stCondLst>
-                                        </p:cTn>
-                                        <p:tgtEl>
-                                          <p:spTgt spid="7"/>
-                                        </p:tgtEl>
-                                        <p:attrNameLst>
-                                          <p:attrName>ppt_y</p:attrName>
-                                        </p:attrNameLst>
-                                      </p:cBhvr>
-                                      <p:tavLst>
-                                        <p:tav tm="0" fmla="#ppt_y-sin(pi*$)/3">
-                                          <p:val>
-                                            <p:fltVal val="0.5"/>
-                                          </p:val>
-                                        </p:tav>
-                                        <p:tav tm="100000">
-                                          <p:val>
-                                            <p:fltVal val="1"/>
-                                          </p:val>
-                                        </p:tav>
-                                      </p:tavLst>
-                                    </p:anim>
-                                    <p:anim calcmode="lin" valueType="num">
-                                      <p:cBhvr>
-                                        <p:cTn id="15" dur="664" tmFilter="0, 0; 0.125,0.2665; 0.25,0.4; 0.375,0.465; 0.5,0.5;  0.625,0.535; 0.75,0.6; 0.875,0.7335; 1,1">
-                                          <p:stCondLst>
-                                            <p:cond delay="664"/>
-                                          </p:stCondLst>
-                                        </p:cTn>
-                                        <p:tgtEl>
-                                          <p:spTgt spid="7"/>
-                                        </p:tgtEl>
-                                        <p:attrNameLst>
-                                          <p:attrName>ppt_y</p:attrName>
-                                        </p:attrNameLst>
-                                      </p:cBhvr>
-                                      <p:tavLst>
-                                        <p:tav tm="0" fmla="#ppt_y-sin(pi*$)/9">
-                                          <p:val>
-                                            <p:fltVal val="0"/>
-                                          </p:val>
-                                        </p:tav>
-                                        <p:tav tm="100000">
-                                          <p:val>
-                                            <p:fltVal val="1"/>
-                                          </p:val>
-                                        </p:tav>
-                                      </p:tavLst>
-                                    </p:anim>
-                                    <p:anim calcmode="lin" valueType="num">
-                                      <p:cBhvr>
-                                        <p:cTn id="16" dur="332" tmFilter="0, 0; 0.125,0.2665; 0.25,0.4; 0.375,0.465; 0.5,0.5;  0.625,0.535; 0.75,0.6; 0.875,0.7335; 1,1">
-                                          <p:stCondLst>
-                                            <p:cond delay="1324"/>
-                                          </p:stCondLst>
-                                        </p:cTn>
-                                        <p:tgtEl>
-                                          <p:spTgt spid="7"/>
-                                        </p:tgtEl>
-                                        <p:attrNameLst>
-                                          <p:attrName>ppt_y</p:attrName>
-                                        </p:attrNameLst>
-                                      </p:cBhvr>
-                                      <p:tavLst>
-                                        <p:tav tm="0" fmla="#ppt_y-sin(pi*$)/27">
-                                          <p:val>
-                                            <p:fltVal val="0"/>
-                                          </p:val>
-                                        </p:tav>
-                                        <p:tav tm="100000">
-                                          <p:val>
-                                            <p:fltVal val="1"/>
-                                          </p:val>
-                                        </p:tav>
-                                      </p:tavLst>
-                                    </p:anim>
-                                    <p:anim calcmode="lin" valueType="num">
-                                      <p:cBhvr>
-                                        <p:cTn id="17" dur="164" tmFilter="0, 0; 0.125,0.2665; 0.25,0.4; 0.375,0.465; 0.5,0.5;  0.625,0.535; 0.75,0.6; 0.875,0.7335; 1,1">
-                                          <p:stCondLst>
-                                            <p:cond delay="1656"/>
-                                          </p:stCondLst>
-                                        </p:cTn>
-                                        <p:tgtEl>
-                                          <p:spTgt spid="7"/>
-                                        </p:tgtEl>
-                                        <p:attrNameLst>
-                                          <p:attrName>ppt_y</p:attrName>
-                                        </p:attrNameLst>
-                                      </p:cBhvr>
-                                      <p:tavLst>
-                                        <p:tav tm="0" fmla="#ppt_y-sin(pi*$)/81">
-                                          <p:val>
-                                            <p:fltVal val="0"/>
-                                          </p:val>
-                                        </p:tav>
-                                        <p:tav tm="100000">
-                                          <p:val>
-                                            <p:fltVal val="1"/>
-                                          </p:val>
-                                        </p:tav>
-                                      </p:tavLst>
-                                    </p:anim>
-                                    <p:animScale>
-                                      <p:cBhvr>
-                                        <p:cTn id="18" dur="26">
-                                          <p:stCondLst>
-                                            <p:cond delay="650"/>
-                                          </p:stCondLst>
-                                        </p:cTn>
-                                        <p:tgtEl>
-                                          <p:spTgt spid="7"/>
-                                        </p:tgtEl>
-                                      </p:cBhvr>
-                                      <p:to x="100000" y="60000"/>
-                                    </p:animScale>
-                                    <p:animScale>
-                                      <p:cBhvr>
-                                        <p:cTn id="19" dur="166" decel="50000">
-                                          <p:stCondLst>
-                                            <p:cond delay="676"/>
-                                          </p:stCondLst>
-                                        </p:cTn>
-                                        <p:tgtEl>
-                                          <p:spTgt spid="7"/>
-                                        </p:tgtEl>
-                                      </p:cBhvr>
-                                      <p:to x="100000" y="100000"/>
-                                    </p:animScale>
-                                    <p:animScale>
-                                      <p:cBhvr>
-                                        <p:cTn id="20" dur="26">
-                                          <p:stCondLst>
-                                            <p:cond delay="1312"/>
-                                          </p:stCondLst>
-                                        </p:cTn>
-                                        <p:tgtEl>
-                                          <p:spTgt spid="7"/>
-                                        </p:tgtEl>
-                                      </p:cBhvr>
-                                      <p:to x="100000" y="80000"/>
-                                    </p:animScale>
-                                    <p:animScale>
-                                      <p:cBhvr>
-                                        <p:cTn id="21" dur="166" decel="50000">
-                                          <p:stCondLst>
-                                            <p:cond delay="1338"/>
-                                          </p:stCondLst>
-                                        </p:cTn>
-                                        <p:tgtEl>
-                                          <p:spTgt spid="7"/>
-                                        </p:tgtEl>
-                                      </p:cBhvr>
-                                      <p:to x="100000" y="100000"/>
-                                    </p:animScale>
-                                    <p:animScale>
-                                      <p:cBhvr>
-                                        <p:cTn id="22" dur="26">
-                                          <p:stCondLst>
-                                            <p:cond delay="1642"/>
-                                          </p:stCondLst>
-                                        </p:cTn>
-                                        <p:tgtEl>
-                                          <p:spTgt spid="7"/>
-                                        </p:tgtEl>
-                                      </p:cBhvr>
-                                      <p:to x="100000" y="90000"/>
-                                    </p:animScale>
-                                    <p:animScale>
-                                      <p:cBhvr>
-                                        <p:cTn id="23" dur="166" decel="50000">
-                                          <p:stCondLst>
-                                            <p:cond delay="1668"/>
-                                          </p:stCondLst>
-                                        </p:cTn>
-                                        <p:tgtEl>
-                                          <p:spTgt spid="7"/>
-                                        </p:tgtEl>
-                                      </p:cBhvr>
-                                      <p:to x="100000" y="100000"/>
-                                    </p:animScale>
-                                    <p:animScale>
-                                      <p:cBhvr>
-                                        <p:cTn id="24" dur="26">
-                                          <p:stCondLst>
-                                            <p:cond delay="1808"/>
-                                          </p:stCondLst>
-                                        </p:cTn>
-                                        <p:tgtEl>
-                                          <p:spTgt spid="7"/>
-                                        </p:tgtEl>
-                                      </p:cBhvr>
-                                      <p:to x="100000" y="95000"/>
-                                    </p:animScale>
-                                    <p:animScale>
-                                      <p:cBhvr>
-                                        <p:cTn id="25" dur="166" decel="50000">
-                                          <p:stCondLst>
-                                            <p:cond delay="1834"/>
-                                          </p:stCondLst>
-                                        </p:cTn>
-                                        <p:tgtEl>
-                                          <p:spTgt spid="7"/>
-                                        </p:tgtEl>
-                                      </p:cBhvr>
-                                      <p:to x="100000" y="100000"/>
-                                    </p:animScale>
-                                  </p:childTnLst>
-                                </p:cTn>
-                              </p:par>
-                            </p:childTnLst>
-                          </p:cTn>
-                        </p:par>
-                      </p:childTnLst>
-                    </p:cTn>
-                  </p:par>
-                </p:childTnLst>
-              </p:cTn>
-              <p:prevCondLst>
-                <p:cond evt="onPrev" delay="0">
-                  <p:tgtEl>
-                    <p:sldTgt/>
-                  </p:tgtEl>
-                </p:cond>
-              </p:prevCondLst>
-              <p:nextCondLst>
-                <p:cond evt="onNext" delay="0">
-                  <p:tgtEl>
-                    <p:sldTgt/>
-                  </p:tgtEl>
-                </p:cond>
-              </p:nextCondLst>
-            </p:seq>
-          </p:childTnLst>
-        </p:cTn>
-      </p:par>
-    </p:tnLst>
-    <p:bldLst>
-      <p:bldP spid="7" grpId="0"/>
-    </p:bldLst>
-  </p:timing>
-</p:sld>
-</file>
-
-<file path=ppt/slides/slide6.xml><?xml version="1.0" encoding="utf-8"?>
-<p:sld xmlns:a="http://schemas.openxmlformats.org/drawingml/2006/main" xmlns:r="http://schemas.openxmlformats.org/officeDocument/2006/relationships" xmlns:p="http://schemas.openxmlformats.org/presentationml/2006/main">
-  <p:cSld>
-    <p:bg>
-      <p:bgPr>
-        <a:blipFill>
-          <a:blip r:embed="rId3">
-            <a:alphaModFix/>
-          </a:blip>
-          <a:stretch>
-            <a:fillRect/>
-          </a:stretch>
-        </a:blipFill>
-        <a:effectLst/>
-      </p:bgPr>
-    </p:bg>
-    <p:spTree>
-      <p:nvGrpSpPr>
-        <p:cNvPr id="1" name="Shape 94"/>
-        <p:cNvGrpSpPr/>
-        <p:nvPr/>
-      </p:nvGrpSpPr>
-      <p:grpSpPr>
-        <a:xfrm>
-          <a:off x="0" y="0"/>
-          <a:ext cx="0" cy="0"/>
-          <a:chOff x="0" y="0"/>
-          <a:chExt cx="0" cy="0"/>
-        </a:xfrm>
-      </p:grpSpPr>
-      <p:sp>
-        <p:nvSpPr>
-          <p:cNvPr id="95" name="Google Shape;95;p2"/>
-          <p:cNvSpPr txBox="1">
-            <a:spLocks noGrp="1"/>
-          </p:cNvSpPr>
-          <p:nvPr>
-            <p:ph type="ctrTitle"/>
-          </p:nvPr>
-        </p:nvSpPr>
-        <p:spPr>
-          <a:xfrm>
-            <a:off x="862579" y="513128"/>
-            <a:ext cx="6774366" cy="849723"/>
-          </a:xfrm>
-          <a:prstGeom prst="rect">
-            <a:avLst/>
-          </a:prstGeom>
-          <a:noFill/>
-          <a:ln>
-            <a:noFill/>
-          </a:ln>
-        </p:spPr>
-        <p:txBody>
-          <a:bodyPr spcFirstLastPara="1" wrap="square" lIns="91425" tIns="45700" rIns="91425" bIns="45700" anchor="b" anchorCtr="0">
-            <a:normAutofit/>
-          </a:bodyPr>
-          <a:lstStyle/>
-          <a:p>
-            <a:pPr algn="l">
-              <a:buClr>
-                <a:srgbClr val="002060"/>
-              </a:buClr>
-              <a:buSzPts val="3000"/>
-            </a:pPr>
-            <a:r>
-              <a:rPr lang="es-CO" sz="3000" b="1" dirty="0">
-                <a:solidFill>
-                  <a:srgbClr val="002060"/>
-                </a:solidFill>
-                <a:latin typeface="Helvetica Neue"/>
-                <a:sym typeface="Helvetica Neue"/>
-              </a:rPr>
-              <a:t>Resultados de Investigación</a:t>
-            </a:r>
-            <a:endParaRPr dirty="0"/>
-          </a:p>
-        </p:txBody>
-      </p:sp>
-      <p:pic>
-        <p:nvPicPr>
-          <p:cNvPr id="4" name="Imagen 3">
-            <a:extLst>
-              <a:ext uri="{FF2B5EF4-FFF2-40B4-BE49-F238E27FC236}">
-                <a16:creationId xmlns:a16="http://schemas.microsoft.com/office/drawing/2014/main" id="{5CD380FD-C157-1E3D-ECD5-D8B441240917}"/>
+                <a16:creationId xmlns:a16="http://schemas.microsoft.com/office/drawing/2014/main" id="{2EEBC6ED-9FCB-2ED4-B95A-3FFFAD5E2D05}"/>
               </a:ext>
             </a:extLst>
           </p:cNvPr>
@@ -18951,15 +17513,15 @@
           <p:nvPr/>
         </p:nvPicPr>
         <p:blipFill>
-          <a:blip r:embed="rId4"/>
+          <a:blip r:embed="rId5"/>
           <a:stretch>
             <a:fillRect/>
           </a:stretch>
         </p:blipFill>
         <p:spPr>
           <a:xfrm>
-            <a:off x="471948" y="1657820"/>
-            <a:ext cx="6356564" cy="3162958"/>
+            <a:off x="5264889" y="2603868"/>
+            <a:ext cx="4744112" cy="3829584"/>
           </a:xfrm>
           <a:prstGeom prst="rect">
             <a:avLst/>
@@ -18979,131 +17541,10 @@
   <p:transition spd="slow">
     <p:push dir="u"/>
   </p:transition>
-  <p:timing>
-    <p:tnLst>
-      <p:par>
-        <p:cTn id="1" dur="indefinite" restart="never" nodeType="tmRoot">
-          <p:childTnLst>
-            <p:seq concurrent="1" nextAc="seek">
-              <p:cTn id="2" dur="indefinite" nodeType="mainSeq">
-                <p:childTnLst>
-                  <p:par>
-                    <p:cTn id="3" fill="hold">
-                      <p:stCondLst>
-                        <p:cond delay="indefinite"/>
-                      </p:stCondLst>
-                      <p:childTnLst>
-                        <p:par>
-                          <p:cTn id="4" fill="hold">
-                            <p:stCondLst>
-                              <p:cond delay="0"/>
-                            </p:stCondLst>
-                            <p:childTnLst>
-                              <p:par>
-                                <p:cTn id="5" presetID="2" presetClass="entr" presetSubtype="4" fill="hold" nodeType="clickEffect">
-                                  <p:stCondLst>
-                                    <p:cond delay="0"/>
-                                  </p:stCondLst>
-                                  <p:childTnLst>
-                                    <p:set>
-                                      <p:cBhvr>
-                                        <p:cTn id="6" dur="1" fill="hold">
-                                          <p:stCondLst>
-                                            <p:cond delay="0"/>
-                                          </p:stCondLst>
-                                        </p:cTn>
-                                        <p:tgtEl>
-                                          <p:spTgt spid="4"/>
-                                        </p:tgtEl>
-                                        <p:attrNameLst>
-                                          <p:attrName>style.visibility</p:attrName>
-                                        </p:attrNameLst>
-                                      </p:cBhvr>
-                                      <p:to>
-                                        <p:strVal val="visible"/>
-                                      </p:to>
-                                    </p:set>
-                                    <p:anim calcmode="lin" valueType="num">
-                                      <p:cBhvr additive="base">
-                                        <p:cTn id="7" dur="500" fill="hold"/>
-                                        <p:tgtEl>
-                                          <p:spTgt spid="4"/>
-                                        </p:tgtEl>
-                                        <p:attrNameLst>
-                                          <p:attrName>ppt_x</p:attrName>
-                                        </p:attrNameLst>
-                                      </p:cBhvr>
-                                      <p:tavLst>
-                                        <p:tav tm="0">
-                                          <p:val>
-                                            <p:strVal val="#ppt_x"/>
-                                          </p:val>
-                                        </p:tav>
-                                        <p:tav tm="100000">
-                                          <p:val>
-                                            <p:strVal val="#ppt_x"/>
-                                          </p:val>
-                                        </p:tav>
-                                      </p:tavLst>
-                                    </p:anim>
-                                    <p:anim calcmode="lin" valueType="num">
-                                      <p:cBhvr additive="base">
-                                        <p:cTn id="8" dur="500" fill="hold"/>
-                                        <p:tgtEl>
-                                          <p:spTgt spid="4"/>
-                                        </p:tgtEl>
-                                        <p:attrNameLst>
-                                          <p:attrName>ppt_y</p:attrName>
-                                        </p:attrNameLst>
-                                      </p:cBhvr>
-                                      <p:tavLst>
-                                        <p:tav tm="0">
-                                          <p:val>
-                                            <p:strVal val="1+#ppt_h/2"/>
-                                          </p:val>
-                                        </p:tav>
-                                        <p:tav tm="100000">
-                                          <p:val>
-                                            <p:strVal val="#ppt_y"/>
-                                          </p:val>
-                                        </p:tav>
-                                      </p:tavLst>
-                                    </p:anim>
-                                  </p:childTnLst>
-                                </p:cTn>
-                              </p:par>
-                            </p:childTnLst>
-                          </p:cTn>
-                        </p:par>
-                      </p:childTnLst>
-                    </p:cTn>
-                  </p:par>
-                </p:childTnLst>
-              </p:cTn>
-              <p:prevCondLst>
-                <p:cond evt="onPrev" delay="0">
-                  <p:tgtEl>
-                    <p:sldTgt/>
-                  </p:tgtEl>
-                </p:cond>
-              </p:prevCondLst>
-              <p:nextCondLst>
-                <p:cond evt="onNext" delay="0">
-                  <p:tgtEl>
-                    <p:sldTgt/>
-                  </p:tgtEl>
-                </p:cond>
-              </p:nextCondLst>
-            </p:seq>
-          </p:childTnLst>
-        </p:cTn>
-      </p:par>
-    </p:tnLst>
-  </p:timing>
 </p:sld>
 </file>
 
-<file path=ppt/slides/slide7.xml><?xml version="1.0" encoding="utf-8"?>
+<file path=ppt/slides/slide8.xml><?xml version="1.0" encoding="utf-8"?>
 <p:sld xmlns:a="http://schemas.openxmlformats.org/drawingml/2006/main" xmlns:r="http://schemas.openxmlformats.org/officeDocument/2006/relationships" xmlns:p="http://schemas.openxmlformats.org/presentationml/2006/main">
   <p:cSld>
     <p:bg>
